--- a/Français/6.Visuals/15.Key influencer.pptx
+++ b/Français/6.Visuals/15.Key influencer.pptx
@@ -210,7 +210,7 @@
           <a:p>
             <a:fld id="{056BA3B8-9F76-4D81-B71D-76CB85363062}" type="datetimeFigureOut">
               <a:rPr lang="en-US" smtClean="0"/>
-              <a:t>1/5/2025</a:t>
+              <a:t>3/8/2025</a:t>
             </a:fld>
             <a:endParaRPr lang="en-US"/>
           </a:p>
@@ -609,7 +609,7 @@
           <a:p>
             <a:fld id="{6F01DA4D-20EA-48D2-973C-0311EC3005D6}" type="datetimeFigureOut">
               <a:rPr lang="en-US" smtClean="0"/>
-              <a:t>1/5/2025</a:t>
+              <a:t>3/8/2025</a:t>
             </a:fld>
             <a:endParaRPr lang="en-US"/>
           </a:p>
@@ -779,7 +779,7 @@
           <a:p>
             <a:fld id="{6F01DA4D-20EA-48D2-973C-0311EC3005D6}" type="datetimeFigureOut">
               <a:rPr lang="en-US" smtClean="0"/>
-              <a:t>1/5/2025</a:t>
+              <a:t>3/8/2025</a:t>
             </a:fld>
             <a:endParaRPr lang="en-US"/>
           </a:p>
@@ -959,7 +959,7 @@
           <a:p>
             <a:fld id="{6F01DA4D-20EA-48D2-973C-0311EC3005D6}" type="datetimeFigureOut">
               <a:rPr lang="en-US" smtClean="0"/>
-              <a:t>1/5/2025</a:t>
+              <a:t>3/8/2025</a:t>
             </a:fld>
             <a:endParaRPr lang="en-US"/>
           </a:p>
@@ -1129,7 +1129,7 @@
           <a:p>
             <a:fld id="{6F01DA4D-20EA-48D2-973C-0311EC3005D6}" type="datetimeFigureOut">
               <a:rPr lang="en-US" smtClean="0"/>
-              <a:t>1/5/2025</a:t>
+              <a:t>3/8/2025</a:t>
             </a:fld>
             <a:endParaRPr lang="en-US"/>
           </a:p>
@@ -1375,7 +1375,7 @@
           <a:p>
             <a:fld id="{6F01DA4D-20EA-48D2-973C-0311EC3005D6}" type="datetimeFigureOut">
               <a:rPr lang="en-US" smtClean="0"/>
-              <a:t>1/5/2025</a:t>
+              <a:t>3/8/2025</a:t>
             </a:fld>
             <a:endParaRPr lang="en-US"/>
           </a:p>
@@ -1607,7 +1607,7 @@
           <a:p>
             <a:fld id="{6F01DA4D-20EA-48D2-973C-0311EC3005D6}" type="datetimeFigureOut">
               <a:rPr lang="en-US" smtClean="0"/>
-              <a:t>1/5/2025</a:t>
+              <a:t>3/8/2025</a:t>
             </a:fld>
             <a:endParaRPr lang="en-US"/>
           </a:p>
@@ -1974,7 +1974,7 @@
           <a:p>
             <a:fld id="{6F01DA4D-20EA-48D2-973C-0311EC3005D6}" type="datetimeFigureOut">
               <a:rPr lang="en-US" smtClean="0"/>
-              <a:t>1/5/2025</a:t>
+              <a:t>3/8/2025</a:t>
             </a:fld>
             <a:endParaRPr lang="en-US"/>
           </a:p>
@@ -2092,7 +2092,7 @@
           <a:p>
             <a:fld id="{6F01DA4D-20EA-48D2-973C-0311EC3005D6}" type="datetimeFigureOut">
               <a:rPr lang="en-US" smtClean="0"/>
-              <a:t>1/5/2025</a:t>
+              <a:t>3/8/2025</a:t>
             </a:fld>
             <a:endParaRPr lang="en-US"/>
           </a:p>
@@ -2187,7 +2187,7 @@
           <a:p>
             <a:fld id="{6F01DA4D-20EA-48D2-973C-0311EC3005D6}" type="datetimeFigureOut">
               <a:rPr lang="en-US" smtClean="0"/>
-              <a:t>1/5/2025</a:t>
+              <a:t>3/8/2025</a:t>
             </a:fld>
             <a:endParaRPr lang="en-US"/>
           </a:p>
@@ -2464,7 +2464,7 @@
           <a:p>
             <a:fld id="{6F01DA4D-20EA-48D2-973C-0311EC3005D6}" type="datetimeFigureOut">
               <a:rPr lang="en-US" smtClean="0"/>
-              <a:t>1/5/2025</a:t>
+              <a:t>3/8/2025</a:t>
             </a:fld>
             <a:endParaRPr lang="en-US"/>
           </a:p>
@@ -2717,7 +2717,7 @@
           <a:p>
             <a:fld id="{6F01DA4D-20EA-48D2-973C-0311EC3005D6}" type="datetimeFigureOut">
               <a:rPr lang="en-US" smtClean="0"/>
-              <a:t>1/5/2025</a:t>
+              <a:t>3/8/2025</a:t>
             </a:fld>
             <a:endParaRPr lang="en-US"/>
           </a:p>
@@ -2930,7 +2930,7 @@
           <a:p>
             <a:fld id="{6F01DA4D-20EA-48D2-973C-0311EC3005D6}" type="datetimeFigureOut">
               <a:rPr lang="en-US" smtClean="0"/>
-              <a:t>1/5/2025</a:t>
+              <a:t>3/8/2025</a:t>
             </a:fld>
             <a:endParaRPr lang="en-US"/>
           </a:p>
@@ -3351,7 +3351,7 @@
         </p:nvSpPr>
         <p:spPr>
           <a:xfrm>
-            <a:off x="1865477" y="1800904"/>
+            <a:off x="1954854" y="1787153"/>
             <a:ext cx="7216645" cy="2554545"/>
           </a:xfrm>
           <a:prstGeom prst="rect">
@@ -3365,9 +3365,9 @@
           </a:bodyPr>
           <a:lstStyle/>
           <a:p>
-            <a:pPr xmlns:a="http://schemas.openxmlformats.org/drawingml/2006/main" algn="ctr"/>
-            <a:r xmlns:a="http://schemas.openxmlformats.org/drawingml/2006/main">
-              <a:rPr lang="fr" sz="8000" b="1" dirty="0" smtClean="0">
+            <a:pPr algn="ctr"/>
+            <a:r>
+              <a:rPr lang="fr-FR" sz="8000" b="1" dirty="0" smtClean="0">
                 <a:solidFill>
                   <a:srgbClr val="7030A0"/>
                 </a:solidFill>
@@ -3375,9 +3375,23 @@
                 <a:ea typeface="Verdana" panose="020B0604030504040204" pitchFamily="34" charset="0"/>
                 <a:cs typeface="Segoe UI" panose="020B0502040204020203" pitchFamily="34" charset="0"/>
               </a:rPr>
-              <a:t>L'influenceur clé</a:t>
-            </a:r>
-            <a:endParaRPr xmlns:a="http://schemas.openxmlformats.org/drawingml/2006/main" lang="en-US" sz="8000" b="1" dirty="0">
+              <a:t>La clé </a:t>
+            </a:r>
+          </a:p>
+          <a:p>
+            <a:pPr algn="ctr"/>
+            <a:r>
+              <a:rPr lang="fr-FR" sz="8000" b="1" dirty="0" smtClean="0">
+                <a:solidFill>
+                  <a:srgbClr val="7030A0"/>
+                </a:solidFill>
+                <a:latin typeface="Segoe UI" panose="020B0502040204020203" pitchFamily="34" charset="0"/>
+                <a:ea typeface="Verdana" panose="020B0604030504040204" pitchFamily="34" charset="0"/>
+                <a:cs typeface="Segoe UI" panose="020B0502040204020203" pitchFamily="34" charset="0"/>
+              </a:rPr>
+              <a:t>influenceur</a:t>
+            </a:r>
+            <a:endParaRPr lang="en-US" sz="8000" b="1" dirty="0">
               <a:solidFill>
                 <a:srgbClr val="7030A0"/>
               </a:solidFill>
@@ -3410,8 +3424,8 @@
           </a:bodyPr>
           <a:lstStyle/>
           <a:p>
-            <a:pPr xmlns:a="http://schemas.openxmlformats.org/drawingml/2006/main" algn="ctr"/>
-            <a:r xmlns:a="http://schemas.openxmlformats.org/drawingml/2006/main">
+            <a:pPr algn="ctr"/>
+            <a:r>
               <a:rPr lang="fr" sz="8000" b="1" dirty="0" smtClean="0">
                 <a:solidFill>
                   <a:schemeClr val="bg1"/>
@@ -3422,7 +3436,7 @@
               </a:rPr>
               <a:t>La </a:t>
             </a:r>
-            <a:r xmlns:a="http://schemas.openxmlformats.org/drawingml/2006/main">
+            <a:r>
               <a:rPr lang="fr" sz="8000" b="1" dirty="0">
                 <a:solidFill>
                   <a:schemeClr val="bg1"/>
@@ -3433,7 +3447,7 @@
               </a:rPr>
               <a:t>clé</a:t>
             </a:r>
-            <a:r xmlns:a="http://schemas.openxmlformats.org/drawingml/2006/main">
+            <a:r>
               <a:rPr lang="fr" sz="8000" b="1" dirty="0" smtClean="0">
                 <a:solidFill>
                   <a:schemeClr val="bg1"/>
@@ -3446,8 +3460,8 @@
             </a:r>
           </a:p>
           <a:p>
-            <a:pPr xmlns:a="http://schemas.openxmlformats.org/drawingml/2006/main" algn="ctr"/>
-            <a:r xmlns:a="http://schemas.openxmlformats.org/drawingml/2006/main">
+            <a:pPr algn="ctr"/>
+            <a:r>
               <a:rPr lang="fr" sz="8000" b="1" dirty="0" smtClean="0">
                 <a:solidFill>
                   <a:schemeClr val="bg1"/>
@@ -3458,7 +3472,7 @@
               </a:rPr>
               <a:t>influenceur</a:t>
             </a:r>
-            <a:endParaRPr xmlns:a="http://schemas.openxmlformats.org/drawingml/2006/main" lang="en-US" sz="8000" b="1" dirty="0">
+            <a:endParaRPr lang="en-US" sz="8000" b="1" dirty="0">
               <a:solidFill>
                 <a:schemeClr val="bg1"/>
               </a:solidFill>
@@ -3532,7 +3546,7 @@
         <p:spPr>
           <a:xfrm>
             <a:off x="323133" y="192505"/>
-            <a:ext cx="2676502" cy="461665"/>
+            <a:ext cx="2722092" cy="461665"/>
           </a:xfrm>
           <a:prstGeom prst="rect">
             <a:avLst/>
@@ -3545,14 +3559,35 @@
           </a:bodyPr>
           <a:lstStyle/>
           <a:p>
-            <a:r xmlns:a="http://schemas.openxmlformats.org/drawingml/2006/main">
-              <a:rPr lang="fr" sz="2400" dirty="0" smtClean="0">
-                <a:latin typeface="Segoe UI" panose="020B0502040204020203" pitchFamily="34" charset="0"/>
-                <a:cs typeface="Segoe UI" panose="020B0502040204020203" pitchFamily="34" charset="0"/>
-              </a:rPr>
-              <a:t>L'influenceur clé</a:t>
-            </a:r>
-            <a:endParaRPr xmlns:a="http://schemas.openxmlformats.org/drawingml/2006/main" lang="en-US" sz="2400" dirty="0">
+            <a:r>
+              <a:rPr lang="en-US" sz="2400" b="1" dirty="0" smtClean="0">
+                <a:latin typeface="Segoe UI" panose="020B0502040204020203" pitchFamily="34" charset="0"/>
+                <a:cs typeface="Segoe UI" panose="020B0502040204020203" pitchFamily="34" charset="0"/>
+              </a:rPr>
+              <a:t>La </a:t>
+            </a:r>
+            <a:r>
+              <a:rPr lang="en-US" sz="2400" b="1" dirty="0" err="1" smtClean="0">
+                <a:latin typeface="Segoe UI" panose="020B0502040204020203" pitchFamily="34" charset="0"/>
+                <a:cs typeface="Segoe UI" panose="020B0502040204020203" pitchFamily="34" charset="0"/>
+              </a:rPr>
+              <a:t>clé</a:t>
+            </a:r>
+            <a:r>
+              <a:rPr lang="en-US" sz="2400" b="1" dirty="0" smtClean="0">
+                <a:latin typeface="Segoe UI" panose="020B0502040204020203" pitchFamily="34" charset="0"/>
+                <a:cs typeface="Segoe UI" panose="020B0502040204020203" pitchFamily="34" charset="0"/>
+              </a:rPr>
+              <a:t> </a:t>
+            </a:r>
+            <a:r>
+              <a:rPr lang="en-US" sz="2400" b="1" dirty="0" err="1" smtClean="0">
+                <a:latin typeface="Segoe UI" panose="020B0502040204020203" pitchFamily="34" charset="0"/>
+                <a:cs typeface="Segoe UI" panose="020B0502040204020203" pitchFamily="34" charset="0"/>
+              </a:rPr>
+              <a:t>influenceur</a:t>
+            </a:r>
+            <a:endParaRPr lang="en-US" sz="2400" b="1" dirty="0">
               <a:latin typeface="Segoe UI" panose="020B0502040204020203" pitchFamily="34" charset="0"/>
               <a:cs typeface="Segoe UI" panose="020B0502040204020203" pitchFamily="34" charset="0"/>
             </a:endParaRPr>
@@ -3567,8 +3602,8 @@
         </p:nvCxnSpPr>
         <p:spPr>
           <a:xfrm>
-            <a:off x="4647627" y="1354412"/>
-            <a:ext cx="4572000" cy="412511"/>
+            <a:off x="6723934" y="1705047"/>
+            <a:ext cx="2495693" cy="61876"/>
           </a:xfrm>
           <a:prstGeom prst="straightConnector1">
             <a:avLst/>
@@ -3603,8 +3638,8 @@
         </p:nvCxnSpPr>
         <p:spPr>
           <a:xfrm>
-            <a:off x="4812632" y="1925053"/>
-            <a:ext cx="5218267" cy="763145"/>
+            <a:off x="5617029" y="2531376"/>
+            <a:ext cx="4413870" cy="156822"/>
           </a:xfrm>
           <a:prstGeom prst="straightConnector1">
             <a:avLst/>
@@ -3641,7 +3676,7 @@
         </p:nvSpPr>
         <p:spPr bwMode="auto">
           <a:xfrm>
-            <a:off x="323133" y="527273"/>
+            <a:off x="323133" y="1118537"/>
             <a:ext cx="6620807" cy="3139321"/>
           </a:xfrm>
           <a:prstGeom prst="rect">
@@ -3690,7 +3725,7 @@
           </a:bodyPr>
           <a:lstStyle/>
           <a:p>
-            <a:pPr xmlns:a="http://schemas.openxmlformats.org/drawingml/2006/main" marL="0" marR="0" lvl="0" indent="0" algn="l" defTabSz="914400" rtl="0" eaLnBrk="0" fontAlgn="base" latinLnBrk="0" hangingPunct="0">
+            <a:pPr marL="0" marR="0" lvl="0" indent="0" algn="l" defTabSz="914400" rtl="0" eaLnBrk="0" fontAlgn="base" latinLnBrk="0" hangingPunct="0">
               <a:lnSpc>
                 <a:spcPct val="100000"/>
               </a:lnSpc>
@@ -3704,7 +3739,7 @@
               <a:buSzTx/>
               <a:tabLst/>
             </a:pPr>
-            <a:r xmlns:a="http://schemas.openxmlformats.org/drawingml/2006/main">
+            <a:r>
               <a:rPr kumimoji="0" lang="fr" altLang="en-US" b="1" i="0" u="none" strike="noStrike" cap="none" normalizeH="0" baseline="0" dirty="0" smtClean="0">
                 <a:ln>
                   <a:noFill/>
@@ -3718,7 +3753,7 @@
               </a:rPr>
               <a:t>Rôle dans l'organisation en tant que « consommateur » </a:t>
             </a:r>
-            <a:r xmlns:a="http://schemas.openxmlformats.org/drawingml/2006/main">
+            <a:r>
               <a:rPr kumimoji="0" lang="fr" altLang="en-US" b="0" i="0" u="none" strike="noStrike" cap="none" normalizeH="0" baseline="0" dirty="0" smtClean="0">
                 <a:ln>
                   <a:noFill/>
@@ -3761,7 +3796,7 @@
             </a:endParaRPr>
           </a:p>
           <a:p>
-            <a:pPr xmlns:a="http://schemas.openxmlformats.org/drawingml/2006/main" marL="0" marR="0" lvl="0" indent="0" algn="l" defTabSz="914400" rtl="0" eaLnBrk="0" fontAlgn="base" latinLnBrk="0" hangingPunct="0">
+            <a:pPr marL="0" marR="0" lvl="0" indent="0" algn="l" defTabSz="914400" rtl="0" eaLnBrk="0" fontAlgn="base" latinLnBrk="0" hangingPunct="0">
               <a:lnSpc>
                 <a:spcPct val="100000"/>
               </a:lnSpc>
@@ -3775,7 +3810,7 @@
               <a:buSzTx/>
               <a:tabLst/>
             </a:pPr>
-            <a:r xmlns:a="http://schemas.openxmlformats.org/drawingml/2006/main">
+            <a:r>
               <a:rPr kumimoji="0" lang="fr" altLang="en-US" b="0" i="0" u="none" strike="noStrike" cap="none" normalizeH="0" baseline="0" dirty="0" smtClean="0">
                 <a:ln>
                   <a:noFill/>
@@ -3789,7 +3824,7 @@
               </a:rPr>
               <a:t>Le graphique indique que </a:t>
             </a:r>
-            <a:r xmlns:a="http://schemas.openxmlformats.org/drawingml/2006/main">
+            <a:r>
               <a:rPr kumimoji="0" lang="fr" altLang="en-US" b="1" i="0" u="none" strike="noStrike" cap="none" normalizeH="0" baseline="0" dirty="0" smtClean="0">
                 <a:ln>
                   <a:noFill/>
@@ -3803,7 +3838,7 @@
               </a:rPr>
               <a:t>les consommateurs </a:t>
             </a:r>
-            <a:r xmlns:a="http://schemas.openxmlformats.org/drawingml/2006/main">
+            <a:r>
               <a:rPr kumimoji="0" lang="fr" altLang="en-US" b="0" i="0" u="none" strike="noStrike" cap="none" normalizeH="0" baseline="0" dirty="0" smtClean="0">
                 <a:ln>
                   <a:noFill/>
@@ -3817,7 +3852,7 @@
               </a:rPr>
               <a:t>sont </a:t>
             </a:r>
-            <a:r xmlns:a="http://schemas.openxmlformats.org/drawingml/2006/main">
+            <a:r>
               <a:rPr kumimoji="0" lang="fr" altLang="en-US" b="1" i="0" u="none" strike="noStrike" cap="none" normalizeH="0" baseline="0" dirty="0" smtClean="0">
                 <a:ln>
                   <a:noFill/>
@@ -3831,7 +3866,7 @@
               </a:rPr>
               <a:t>2,57 fois </a:t>
             </a:r>
-            <a:r xmlns:a="http://schemas.openxmlformats.org/drawingml/2006/main">
+            <a:r>
               <a:rPr kumimoji="0" lang="fr" altLang="en-US" b="0" i="0" u="none" strike="noStrike" cap="none" normalizeH="0" baseline="0" dirty="0" smtClean="0">
                 <a:ln>
                   <a:noFill/>
@@ -3845,7 +3880,7 @@
               </a:rPr>
               <a:t>plus susceptibles de donner de mauvaises notes. Le graphique à barres montre que </a:t>
             </a:r>
-            <a:r xmlns:a="http://schemas.openxmlformats.org/drawingml/2006/main">
+            <a:r>
               <a:rPr kumimoji="0" lang="fr" altLang="en-US" b="1" i="0" u="none" strike="noStrike" cap="none" normalizeH="0" baseline="0" dirty="0" smtClean="0">
                 <a:ln>
                   <a:noFill/>
@@ -3859,7 +3894,7 @@
               </a:rPr>
               <a:t>les consommateurs </a:t>
             </a:r>
-            <a:r xmlns:a="http://schemas.openxmlformats.org/drawingml/2006/main">
+            <a:r>
               <a:rPr kumimoji="0" lang="fr" altLang="en-US" b="0" i="0" u="none" strike="noStrike" cap="none" normalizeH="0" baseline="0" dirty="0" smtClean="0">
                 <a:ln>
                   <a:noFill/>
@@ -3873,7 +3908,7 @@
               </a:rPr>
               <a:t>dépassent le pourcentage moyen de mauvaises notes ( </a:t>
             </a:r>
-            <a:r xmlns:a="http://schemas.openxmlformats.org/drawingml/2006/main">
+            <a:r>
               <a:rPr kumimoji="0" lang="fr" altLang="en-US" b="1" i="0" u="none" strike="noStrike" cap="none" normalizeH="0" baseline="0" dirty="0" smtClean="0">
                 <a:ln>
                   <a:noFill/>
@@ -3887,7 +3922,7 @@
               </a:rPr>
               <a:t>5,78 % </a:t>
             </a:r>
-            <a:r xmlns:a="http://schemas.openxmlformats.org/drawingml/2006/main">
+            <a:r>
               <a:rPr kumimoji="0" lang="fr" altLang="en-US" b="0" i="0" u="none" strike="noStrike" cap="none" normalizeH="0" baseline="0" dirty="0" smtClean="0">
                 <a:ln>
                   <a:noFill/>
@@ -3930,7 +3965,7 @@
             </a:endParaRPr>
           </a:p>
           <a:p>
-            <a:pPr xmlns:a="http://schemas.openxmlformats.org/drawingml/2006/main" marL="0" marR="0" lvl="0" indent="0" algn="l" defTabSz="914400" rtl="0" eaLnBrk="0" fontAlgn="base" latinLnBrk="0" hangingPunct="0">
+            <a:pPr marL="0" marR="0" lvl="0" indent="0" algn="l" defTabSz="914400" rtl="0" eaLnBrk="0" fontAlgn="base" latinLnBrk="0" hangingPunct="0">
               <a:lnSpc>
                 <a:spcPct val="100000"/>
               </a:lnSpc>
@@ -3944,7 +3979,7 @@
               <a:buSzTx/>
               <a:tabLst/>
             </a:pPr>
-            <a:r xmlns:a="http://schemas.openxmlformats.org/drawingml/2006/main">
+            <a:r>
               <a:rPr kumimoji="0" lang="fr" altLang="en-US" b="1" i="0" u="none" strike="noStrike" cap="none" normalizeH="0" baseline="0" dirty="0" smtClean="0">
                 <a:ln>
                   <a:noFill/>
@@ -3958,7 +3993,7 @@
               </a:rPr>
               <a:t>Insight </a:t>
             </a:r>
-            <a:r xmlns:a="http://schemas.openxmlformats.org/drawingml/2006/main">
+            <a:r>
               <a:rPr kumimoji="0" lang="fr" altLang="en-US" b="0" i="0" u="none" strike="noStrike" cap="none" normalizeH="0" baseline="0" dirty="0" smtClean="0">
                 <a:ln>
                   <a:noFill/>
@@ -4001,7 +4036,7 @@
             </a:endParaRPr>
           </a:p>
           <a:p>
-            <a:pPr xmlns:a="http://schemas.openxmlformats.org/drawingml/2006/main" marL="0" marR="0" lvl="0" indent="0" algn="l" defTabSz="914400" rtl="0" eaLnBrk="0" fontAlgn="base" latinLnBrk="0" hangingPunct="0">
+            <a:pPr marL="0" marR="0" lvl="0" indent="0" algn="l" defTabSz="914400" rtl="0" eaLnBrk="0" fontAlgn="base" latinLnBrk="0" hangingPunct="0">
               <a:lnSpc>
                 <a:spcPct val="100000"/>
               </a:lnSpc>
@@ -4015,7 +4050,7 @@
               <a:buSzTx/>
               <a:tabLst/>
             </a:pPr>
-            <a:r xmlns:a="http://schemas.openxmlformats.org/drawingml/2006/main">
+            <a:r>
               <a:rPr kumimoji="0" lang="fr" altLang="en-US" b="1" i="0" u="none" strike="noStrike" cap="none" normalizeH="0" baseline="0" dirty="0" smtClean="0">
                 <a:ln>
                   <a:noFill/>
@@ -4029,7 +4064,7 @@
               </a:rPr>
               <a:t>Recommandation </a:t>
             </a:r>
-            <a:r xmlns:a="http://schemas.openxmlformats.org/drawingml/2006/main">
+            <a:r>
               <a:rPr kumimoji="0" lang="fr" altLang="en-US" b="0" i="0" u="none" strike="noStrike" cap="none" normalizeH="0" baseline="0" dirty="0" smtClean="0">
                 <a:ln>
                   <a:noFill/>
@@ -4138,7 +4173,7 @@
         <p:spPr>
           <a:xfrm>
             <a:off x="323133" y="192505"/>
-            <a:ext cx="2676502" cy="461665"/>
+            <a:ext cx="2722092" cy="461665"/>
           </a:xfrm>
           <a:prstGeom prst="rect">
             <a:avLst/>
@@ -4151,14 +4186,35 @@
           </a:bodyPr>
           <a:lstStyle/>
           <a:p>
-            <a:r xmlns:a="http://schemas.openxmlformats.org/drawingml/2006/main">
-              <a:rPr lang="fr" sz="2400" dirty="0" smtClean="0">
-                <a:latin typeface="Segoe UI" panose="020B0502040204020203" pitchFamily="34" charset="0"/>
-                <a:cs typeface="Segoe UI" panose="020B0502040204020203" pitchFamily="34" charset="0"/>
-              </a:rPr>
-              <a:t>L'influenceur clé</a:t>
-            </a:r>
-            <a:endParaRPr xmlns:a="http://schemas.openxmlformats.org/drawingml/2006/main" lang="en-US" sz="2400" dirty="0">
+            <a:r>
+              <a:rPr lang="en-US" sz="2400" b="1" dirty="0" smtClean="0">
+                <a:latin typeface="Segoe UI" panose="020B0502040204020203" pitchFamily="34" charset="0"/>
+                <a:cs typeface="Segoe UI" panose="020B0502040204020203" pitchFamily="34" charset="0"/>
+              </a:rPr>
+              <a:t>La </a:t>
+            </a:r>
+            <a:r>
+              <a:rPr lang="en-US" sz="2400" b="1" dirty="0" err="1" smtClean="0">
+                <a:latin typeface="Segoe UI" panose="020B0502040204020203" pitchFamily="34" charset="0"/>
+                <a:cs typeface="Segoe UI" panose="020B0502040204020203" pitchFamily="34" charset="0"/>
+              </a:rPr>
+              <a:t>clé</a:t>
+            </a:r>
+            <a:r>
+              <a:rPr lang="en-US" sz="2400" b="1" dirty="0" smtClean="0">
+                <a:latin typeface="Segoe UI" panose="020B0502040204020203" pitchFamily="34" charset="0"/>
+                <a:cs typeface="Segoe UI" panose="020B0502040204020203" pitchFamily="34" charset="0"/>
+              </a:rPr>
+              <a:t> </a:t>
+            </a:r>
+            <a:r>
+              <a:rPr lang="en-US" sz="2400" b="1" dirty="0" err="1" smtClean="0">
+                <a:latin typeface="Segoe UI" panose="020B0502040204020203" pitchFamily="34" charset="0"/>
+                <a:cs typeface="Segoe UI" panose="020B0502040204020203" pitchFamily="34" charset="0"/>
+              </a:rPr>
+              <a:t>influenceur</a:t>
+            </a:r>
+            <a:endParaRPr lang="en-US" sz="2400" b="1" dirty="0">
               <a:latin typeface="Segoe UI" panose="020B0502040204020203" pitchFamily="34" charset="0"/>
               <a:cs typeface="Segoe UI" panose="020B0502040204020203" pitchFamily="34" charset="0"/>
             </a:endParaRPr>
@@ -4258,46 +4314,46 @@
           </a:bodyPr>
           <a:lstStyle/>
           <a:p>
-            <a:r xmlns:a="http://schemas.openxmlformats.org/drawingml/2006/main">
+            <a:r>
               <a:rPr lang="fr" b="1" dirty="0" smtClean="0"/>
               <a:t>Thèmes et tailles d'entreprises </a:t>
             </a:r>
-            <a:r xmlns:a="http://schemas.openxmlformats.org/drawingml/2006/main">
+            <a:r>
               <a:rPr lang="fr" dirty="0" smtClean="0"/>
               <a:t>:</a:t>
             </a:r>
-            <a:endParaRPr xmlns:a="http://schemas.openxmlformats.org/drawingml/2006/main" lang="en-US" dirty="0"/>
-          </a:p>
-          <a:p>
-            <a:r xmlns:a="http://schemas.openxmlformats.org/drawingml/2006/main">
+            <a:endParaRPr lang="en-US" dirty="0"/>
+          </a:p>
+          <a:p>
+            <a:r>
               <a:rPr lang="fr" b="1" dirty="0"/>
               <a:t>d'utilisabilité </a:t>
             </a:r>
-            <a:r xmlns:a="http://schemas.openxmlformats.org/drawingml/2006/main">
+            <a:r>
               <a:rPr lang="fr" dirty="0"/>
               <a:t>et </a:t>
             </a:r>
-            <a:r xmlns:a="http://schemas.openxmlformats.org/drawingml/2006/main">
+            <a:r>
               <a:rPr lang="fr" b="1" dirty="0"/>
               <a:t>de sécurité </a:t>
             </a:r>
-            <a:r xmlns:a="http://schemas.openxmlformats.org/drawingml/2006/main">
+            <a:r>
               <a:rPr lang="fr" dirty="0"/>
               <a:t>influencent considérablement les notes faibles ( </a:t>
             </a:r>
-            <a:r xmlns:a="http://schemas.openxmlformats.org/drawingml/2006/main">
+            <a:r>
               <a:rPr lang="fr" b="1" dirty="0"/>
               <a:t>2,55x </a:t>
             </a:r>
-            <a:r xmlns:a="http://schemas.openxmlformats.org/drawingml/2006/main">
+            <a:r>
               <a:rPr lang="fr" dirty="0"/>
               <a:t>et </a:t>
             </a:r>
-            <a:r xmlns:a="http://schemas.openxmlformats.org/drawingml/2006/main">
+            <a:r>
               <a:rPr lang="fr" b="1" dirty="0"/>
               <a:t>2,09x </a:t>
             </a:r>
-            <a:r xmlns:a="http://schemas.openxmlformats.org/drawingml/2006/main">
+            <a:r>
               <a:rPr lang="fr" dirty="0"/>
               <a:t>, respectivement).</a:t>
             </a:r>
@@ -4306,15 +4362,15 @@
             <a:endParaRPr lang="en-US" dirty="0" smtClean="0"/>
           </a:p>
           <a:p>
-            <a:r xmlns:a="http://schemas.openxmlformats.org/drawingml/2006/main">
+            <a:r>
               <a:rPr lang="fr" dirty="0" smtClean="0"/>
               <a:t>Les petites entreprises (&lt; 5 000 employés) sont </a:t>
             </a:r>
-            <a:r xmlns:a="http://schemas.openxmlformats.org/drawingml/2006/main">
+            <a:r>
               <a:rPr lang="fr" b="1" dirty="0" smtClean="0"/>
               <a:t>1,48 fois </a:t>
             </a:r>
-            <a:r xmlns:a="http://schemas.openxmlformats.org/drawingml/2006/main">
+            <a:r>
               <a:rPr lang="fr" dirty="0" smtClean="0"/>
               <a:t>plus susceptibles de donner de mauvaises notes.</a:t>
             </a:r>
@@ -4323,11 +4379,11 @@
             <a:endParaRPr lang="en-US" b="1" dirty="0" smtClean="0"/>
           </a:p>
           <a:p>
-            <a:r xmlns:a="http://schemas.openxmlformats.org/drawingml/2006/main">
+            <a:r>
               <a:rPr lang="fr" b="1" dirty="0" smtClean="0"/>
               <a:t>Insight </a:t>
             </a:r>
-            <a:r xmlns:a="http://schemas.openxmlformats.org/drawingml/2006/main">
+            <a:r>
               <a:rPr lang="fr" dirty="0"/>
               <a:t>: La convivialité et la sécurité sont des facteurs d’insatisfaction majeurs, en particulier pour les petites entreprises.</a:t>
             </a:r>
@@ -4336,11 +4392,11 @@
             <a:endParaRPr lang="en-US" b="1" dirty="0" smtClean="0"/>
           </a:p>
           <a:p>
-            <a:r xmlns:a="http://schemas.openxmlformats.org/drawingml/2006/main">
+            <a:r>
               <a:rPr lang="fr" b="1" dirty="0" smtClean="0"/>
               <a:t>Recommandation </a:t>
             </a:r>
-            <a:r xmlns:a="http://schemas.openxmlformats.org/drawingml/2006/main">
+            <a:r>
               <a:rPr lang="fr" dirty="0"/>
               <a:t>: Améliorer les aspects de convivialité et de sécurité, en ciblant les petites entreprises.</a:t>
             </a:r>
@@ -4355,8 +4411,8 @@
         </p:nvCxnSpPr>
         <p:spPr>
           <a:xfrm>
-            <a:off x="2397147" y="2381484"/>
-            <a:ext cx="4938679" cy="471719"/>
+            <a:off x="4709504" y="2337564"/>
+            <a:ext cx="2626322" cy="515639"/>
           </a:xfrm>
           <a:prstGeom prst="straightConnector1">
             <a:avLst/>
@@ -4446,7 +4502,7 @@
         <p:spPr>
           <a:xfrm>
             <a:off x="323133" y="192505"/>
-            <a:ext cx="2676502" cy="461665"/>
+            <a:ext cx="2550698" cy="461665"/>
           </a:xfrm>
           <a:prstGeom prst="rect">
             <a:avLst/>
@@ -4459,14 +4515,35 @@
           </a:bodyPr>
           <a:lstStyle/>
           <a:p>
-            <a:r xmlns:a="http://schemas.openxmlformats.org/drawingml/2006/main">
-              <a:rPr lang="fr" sz="2400" dirty="0" smtClean="0">
-                <a:latin typeface="Segoe UI" panose="020B0502040204020203" pitchFamily="34" charset="0"/>
-                <a:cs typeface="Segoe UI" panose="020B0502040204020203" pitchFamily="34" charset="0"/>
-              </a:rPr>
-              <a:t>L'influenceur clé</a:t>
-            </a:r>
-            <a:endParaRPr xmlns:a="http://schemas.openxmlformats.org/drawingml/2006/main" lang="en-US" sz="2400" dirty="0">
+            <a:r>
+              <a:rPr lang="en-US" sz="2400" dirty="0" smtClean="0">
+                <a:latin typeface="Segoe UI" panose="020B0502040204020203" pitchFamily="34" charset="0"/>
+                <a:cs typeface="Segoe UI" panose="020B0502040204020203" pitchFamily="34" charset="0"/>
+              </a:rPr>
+              <a:t>La </a:t>
+            </a:r>
+            <a:r>
+              <a:rPr lang="en-US" sz="2400" dirty="0" err="1" smtClean="0">
+                <a:latin typeface="Segoe UI" panose="020B0502040204020203" pitchFamily="34" charset="0"/>
+                <a:cs typeface="Segoe UI" panose="020B0502040204020203" pitchFamily="34" charset="0"/>
+              </a:rPr>
+              <a:t>clé</a:t>
+            </a:r>
+            <a:r>
+              <a:rPr lang="en-US" sz="2400" dirty="0" smtClean="0">
+                <a:latin typeface="Segoe UI" panose="020B0502040204020203" pitchFamily="34" charset="0"/>
+                <a:cs typeface="Segoe UI" panose="020B0502040204020203" pitchFamily="34" charset="0"/>
+              </a:rPr>
+              <a:t> </a:t>
+            </a:r>
+            <a:r>
+              <a:rPr lang="en-US" sz="2400" dirty="0" err="1" smtClean="0">
+                <a:latin typeface="Segoe UI" panose="020B0502040204020203" pitchFamily="34" charset="0"/>
+                <a:cs typeface="Segoe UI" panose="020B0502040204020203" pitchFamily="34" charset="0"/>
+              </a:rPr>
+              <a:t>influenceur</a:t>
+            </a:r>
+            <a:endParaRPr lang="en-US" sz="2400" dirty="0">
               <a:latin typeface="Segoe UI" panose="020B0502040204020203" pitchFamily="34" charset="0"/>
               <a:cs typeface="Segoe UI" panose="020B0502040204020203" pitchFamily="34" charset="0"/>
             </a:endParaRPr>
@@ -4481,8 +4558,8 @@
         </p:nvCxnSpPr>
         <p:spPr>
           <a:xfrm>
-            <a:off x="5754532" y="1742860"/>
-            <a:ext cx="1581294" cy="1389183"/>
+            <a:off x="5967663" y="1333786"/>
+            <a:ext cx="1368163" cy="1798257"/>
           </a:xfrm>
           <a:prstGeom prst="straightConnector1">
             <a:avLst/>
@@ -4530,14 +4607,14 @@
           </a:bodyPr>
           <a:lstStyle/>
           <a:p>
-            <a:r xmlns:a="http://schemas.openxmlformats.org/drawingml/2006/main">
+            <a:r>
               <a:rPr lang="fr" b="1" dirty="0">
                 <a:latin typeface="Segoe UI" panose="020B0502040204020203" pitchFamily="34" charset="0"/>
                 <a:cs typeface="Segoe UI" panose="020B0502040204020203" pitchFamily="34" charset="0"/>
               </a:rPr>
               <a:t>Régions </a:t>
             </a:r>
-            <a:r xmlns:a="http://schemas.openxmlformats.org/drawingml/2006/main">
+            <a:r>
               <a:rPr lang="fr" dirty="0">
                 <a:latin typeface="Segoe UI" panose="020B0502040204020203" pitchFamily="34" charset="0"/>
                 <a:cs typeface="Segoe UI" panose="020B0502040204020203" pitchFamily="34" charset="0"/>
@@ -4546,29 +4623,29 @@
             </a:r>
           </a:p>
           <a:p>
-            <a:pPr xmlns:a="http://schemas.openxmlformats.org/drawingml/2006/main" lvl="1"/>
-            <a:r xmlns:a="http://schemas.openxmlformats.org/drawingml/2006/main">
+            <a:pPr lvl="1"/>
+            <a:r>
               <a:rPr lang="fr" b="1" dirty="0">
                 <a:latin typeface="Segoe UI" panose="020B0502040204020203" pitchFamily="34" charset="0"/>
                 <a:cs typeface="Segoe UI" panose="020B0502040204020203" pitchFamily="34" charset="0"/>
               </a:rPr>
               <a:t>La France </a:t>
             </a:r>
-            <a:r xmlns:a="http://schemas.openxmlformats.org/drawingml/2006/main">
+            <a:r>
               <a:rPr lang="fr" dirty="0">
                 <a:latin typeface="Segoe UI" panose="020B0502040204020203" pitchFamily="34" charset="0"/>
                 <a:cs typeface="Segoe UI" panose="020B0502040204020203" pitchFamily="34" charset="0"/>
               </a:rPr>
               <a:t>a </a:t>
             </a:r>
-            <a:r xmlns:a="http://schemas.openxmlformats.org/drawingml/2006/main">
+            <a:r>
               <a:rPr lang="fr" b="1" dirty="0">
                 <a:latin typeface="Segoe UI" panose="020B0502040204020203" pitchFamily="34" charset="0"/>
                 <a:cs typeface="Segoe UI" panose="020B0502040204020203" pitchFamily="34" charset="0"/>
               </a:rPr>
               <a:t>1,44 fois </a:t>
             </a:r>
-            <a:r xmlns:a="http://schemas.openxmlformats.org/drawingml/2006/main">
+            <a:r>
               <a:rPr lang="fr" dirty="0">
                 <a:latin typeface="Segoe UI" panose="020B0502040204020203" pitchFamily="34" charset="0"/>
                 <a:cs typeface="Segoe UI" panose="020B0502040204020203" pitchFamily="34" charset="0"/>
@@ -4577,22 +4654,22 @@
             </a:r>
           </a:p>
           <a:p>
-            <a:pPr xmlns:a="http://schemas.openxmlformats.org/drawingml/2006/main" lvl="1"/>
-            <a:r xmlns:a="http://schemas.openxmlformats.org/drawingml/2006/main">
+            <a:pPr lvl="1"/>
+            <a:r>
               <a:rPr lang="fr" b="1" dirty="0">
                 <a:latin typeface="Segoe UI" panose="020B0502040204020203" pitchFamily="34" charset="0"/>
                 <a:cs typeface="Segoe UI" panose="020B0502040204020203" pitchFamily="34" charset="0"/>
               </a:rPr>
               <a:t>Aperçu </a:t>
             </a:r>
-            <a:r xmlns:a="http://schemas.openxmlformats.org/drawingml/2006/main">
+            <a:r>
               <a:rPr lang="fr" dirty="0">
                 <a:latin typeface="Segoe UI" panose="020B0502040204020203" pitchFamily="34" charset="0"/>
                 <a:cs typeface="Segoe UI" panose="020B0502040204020203" pitchFamily="34" charset="0"/>
               </a:rPr>
               <a:t>: L’insatisfaction régionale peut être liée à des facteurs localisés </a:t>
             </a:r>
-            <a:r xmlns:a="http://schemas.openxmlformats.org/drawingml/2006/main">
+            <a:r>
               <a:rPr lang="fr" dirty="0" smtClean="0">
                 <a:latin typeface="Segoe UI" panose="020B0502040204020203" pitchFamily="34" charset="0"/>
                 <a:cs typeface="Segoe UI" panose="020B0502040204020203" pitchFamily="34" charset="0"/>
@@ -4608,29 +4685,29 @@
             </a:endParaRPr>
           </a:p>
           <a:p>
-            <a:pPr xmlns:a="http://schemas.openxmlformats.org/drawingml/2006/main" lvl="1"/>
-            <a:r xmlns:a="http://schemas.openxmlformats.org/drawingml/2006/main">
+            <a:pPr lvl="1"/>
+            <a:r>
               <a:rPr lang="fr" b="1" dirty="0">
                 <a:latin typeface="Segoe UI" panose="020B0502040204020203" pitchFamily="34" charset="0"/>
                 <a:cs typeface="Segoe UI" panose="020B0502040204020203" pitchFamily="34" charset="0"/>
               </a:rPr>
               <a:t>Recommandation </a:t>
             </a:r>
-            <a:r xmlns:a="http://schemas.openxmlformats.org/drawingml/2006/main">
+            <a:r>
               <a:rPr lang="fr" dirty="0">
                 <a:latin typeface="Segoe UI" panose="020B0502040204020203" pitchFamily="34" charset="0"/>
                 <a:cs typeface="Segoe UI" panose="020B0502040204020203" pitchFamily="34" charset="0"/>
               </a:rPr>
               <a:t>: Enquêter et répondre </a:t>
             </a:r>
-            <a:r xmlns:a="http://schemas.openxmlformats.org/drawingml/2006/main">
+            <a:r>
               <a:rPr lang="fr" dirty="0" smtClean="0">
                 <a:latin typeface="Segoe UI" panose="020B0502040204020203" pitchFamily="34" charset="0"/>
                 <a:cs typeface="Segoe UI" panose="020B0502040204020203" pitchFamily="34" charset="0"/>
               </a:rPr>
               <a:t>aux préoccupations régionales spécifiques, notamment en France.</a:t>
             </a:r>
-            <a:endParaRPr xmlns:a="http://schemas.openxmlformats.org/drawingml/2006/main" lang="en-US" dirty="0">
+            <a:endParaRPr lang="en-US" dirty="0">
               <a:latin typeface="Segoe UI" panose="020B0502040204020203" pitchFamily="34" charset="0"/>
               <a:cs typeface="Segoe UI" panose="020B0502040204020203" pitchFamily="34" charset="0"/>
             </a:endParaRPr>
@@ -4676,7 +4753,7 @@
         <p:spPr>
           <a:xfrm>
             <a:off x="323133" y="192505"/>
-            <a:ext cx="2676502" cy="461665"/>
+            <a:ext cx="2550698" cy="461665"/>
           </a:xfrm>
           <a:prstGeom prst="rect">
             <a:avLst/>
@@ -4689,14 +4766,35 @@
           </a:bodyPr>
           <a:lstStyle/>
           <a:p>
-            <a:r xmlns:a="http://schemas.openxmlformats.org/drawingml/2006/main">
-              <a:rPr lang="fr" sz="2400" dirty="0" smtClean="0">
-                <a:latin typeface="Segoe UI" panose="020B0502040204020203" pitchFamily="34" charset="0"/>
-                <a:cs typeface="Segoe UI" panose="020B0502040204020203" pitchFamily="34" charset="0"/>
-              </a:rPr>
-              <a:t>L'influenceur clé</a:t>
-            </a:r>
-            <a:endParaRPr xmlns:a="http://schemas.openxmlformats.org/drawingml/2006/main" lang="en-US" sz="2400" dirty="0">
+            <a:r>
+              <a:rPr lang="en-US" sz="2400" dirty="0" smtClean="0">
+                <a:latin typeface="Segoe UI" panose="020B0502040204020203" pitchFamily="34" charset="0"/>
+                <a:cs typeface="Segoe UI" panose="020B0502040204020203" pitchFamily="34" charset="0"/>
+              </a:rPr>
+              <a:t>La </a:t>
+            </a:r>
+            <a:r>
+              <a:rPr lang="en-US" sz="2400" dirty="0" err="1" smtClean="0">
+                <a:latin typeface="Segoe UI" panose="020B0502040204020203" pitchFamily="34" charset="0"/>
+                <a:cs typeface="Segoe UI" panose="020B0502040204020203" pitchFamily="34" charset="0"/>
+              </a:rPr>
+              <a:t>clé</a:t>
+            </a:r>
+            <a:r>
+              <a:rPr lang="en-US" sz="2400" dirty="0" smtClean="0">
+                <a:latin typeface="Segoe UI" panose="020B0502040204020203" pitchFamily="34" charset="0"/>
+                <a:cs typeface="Segoe UI" panose="020B0502040204020203" pitchFamily="34" charset="0"/>
+              </a:rPr>
+              <a:t> </a:t>
+            </a:r>
+            <a:r>
+              <a:rPr lang="en-US" sz="2400" dirty="0" err="1" smtClean="0">
+                <a:latin typeface="Segoe UI" panose="020B0502040204020203" pitchFamily="34" charset="0"/>
+                <a:cs typeface="Segoe UI" panose="020B0502040204020203" pitchFamily="34" charset="0"/>
+              </a:rPr>
+              <a:t>influenceur</a:t>
+            </a:r>
+            <a:endParaRPr lang="en-US" sz="2400" dirty="0">
               <a:latin typeface="Segoe UI" panose="020B0502040204020203" pitchFamily="34" charset="0"/>
               <a:cs typeface="Segoe UI" panose="020B0502040204020203" pitchFamily="34" charset="0"/>
             </a:endParaRPr>
@@ -4724,7 +4822,7 @@
           </a:bodyPr>
           <a:lstStyle/>
           <a:p>
-            <a:r xmlns:a="http://schemas.openxmlformats.org/drawingml/2006/main">
+            <a:r>
               <a:rPr lang="fr" b="1" dirty="0">
                 <a:latin typeface="Segoe UI" panose="020B0502040204020203" pitchFamily="34" charset="0"/>
                 <a:cs typeface="Segoe UI" panose="020B0502040204020203" pitchFamily="34" charset="0"/>
@@ -4733,18 +4831,18 @@
             </a:r>
           </a:p>
           <a:p>
-            <a:pPr xmlns:a="http://schemas.openxmlformats.org/drawingml/2006/main">
+            <a:pPr>
               <a:buFont typeface="Arial" panose="020B0604020202020204" pitchFamily="34" charset="0"/>
               <a:buChar char="•"/>
             </a:pPr>
-            <a:r xmlns:a="http://schemas.openxmlformats.org/drawingml/2006/main">
+            <a:r>
               <a:rPr lang="fr" dirty="0">
                 <a:latin typeface="Segoe UI" panose="020B0502040204020203" pitchFamily="34" charset="0"/>
                 <a:cs typeface="Segoe UI" panose="020B0502040204020203" pitchFamily="34" charset="0"/>
               </a:rPr>
               <a:t>Les segments sont classés en fonction du pourcentage de notes élevées et de la taille de la population </a:t>
             </a:r>
-            <a:r xmlns:a="http://schemas.openxmlformats.org/drawingml/2006/main">
+            <a:r>
               <a:rPr lang="fr" dirty="0" smtClean="0">
                 <a:latin typeface="Segoe UI" panose="020B0502040204020203" pitchFamily="34" charset="0"/>
                 <a:cs typeface="Segoe UI" panose="020B0502040204020203" pitchFamily="34" charset="0"/>
@@ -4759,25 +4857,25 @@
             </a:endParaRPr>
           </a:p>
           <a:p>
-            <a:pPr xmlns:a="http://schemas.openxmlformats.org/drawingml/2006/main">
+            <a:pPr>
               <a:buFont typeface="Arial" panose="020B0604020202020204" pitchFamily="34" charset="0"/>
               <a:buChar char="•"/>
             </a:pPr>
-            <a:r xmlns:a="http://schemas.openxmlformats.org/drawingml/2006/main">
+            <a:r>
               <a:rPr lang="fr" b="1" dirty="0">
                 <a:latin typeface="Segoe UI" panose="020B0502040204020203" pitchFamily="34" charset="0"/>
                 <a:cs typeface="Segoe UI" panose="020B0502040204020203" pitchFamily="34" charset="0"/>
               </a:rPr>
               <a:t>Le segment 1 </a:t>
             </a:r>
-            <a:r xmlns:a="http://schemas.openxmlformats.org/drawingml/2006/main">
+            <a:r>
               <a:rPr lang="fr" dirty="0">
                 <a:latin typeface="Segoe UI" panose="020B0502040204020203" pitchFamily="34" charset="0"/>
                 <a:cs typeface="Segoe UI" panose="020B0502040204020203" pitchFamily="34" charset="0"/>
               </a:rPr>
               <a:t>(96,7 % de notes élevées, population : 8 031) représente le groupe le plus satisfait, suivi par d'autres segments avec des notes légèrement inférieures (94,7 %-91,0 </a:t>
             </a:r>
-            <a:r xmlns:a="http://schemas.openxmlformats.org/drawingml/2006/main">
+            <a:r>
               <a:rPr lang="fr" dirty="0" smtClean="0">
                 <a:latin typeface="Segoe UI" panose="020B0502040204020203" pitchFamily="34" charset="0"/>
                 <a:cs typeface="Segoe UI" panose="020B0502040204020203" pitchFamily="34" charset="0"/>
@@ -4792,25 +4890,25 @@
             </a:endParaRPr>
           </a:p>
           <a:p>
-            <a:pPr xmlns:a="http://schemas.openxmlformats.org/drawingml/2006/main">
+            <a:pPr>
               <a:buFont typeface="Arial" panose="020B0604020202020204" pitchFamily="34" charset="0"/>
               <a:buChar char="•"/>
             </a:pPr>
-            <a:r xmlns:a="http://schemas.openxmlformats.org/drawingml/2006/main">
+            <a:r>
               <a:rPr lang="fr" b="1" dirty="0">
                 <a:latin typeface="Segoe UI" panose="020B0502040204020203" pitchFamily="34" charset="0"/>
                 <a:cs typeface="Segoe UI" panose="020B0502040204020203" pitchFamily="34" charset="0"/>
               </a:rPr>
               <a:t>Aperçu </a:t>
             </a:r>
-            <a:r xmlns:a="http://schemas.openxmlformats.org/drawingml/2006/main">
+            <a:r>
               <a:rPr lang="fr" dirty="0">
                 <a:latin typeface="Segoe UI" panose="020B0502040204020203" pitchFamily="34" charset="0"/>
                 <a:cs typeface="Segoe UI" panose="020B0502040204020203" pitchFamily="34" charset="0"/>
               </a:rPr>
               <a:t>: Le segment 1 est le facteur le plus important des notes élevées en raison de sa taille et de son taux de satisfaction élevé </a:t>
             </a:r>
-            <a:r xmlns:a="http://schemas.openxmlformats.org/drawingml/2006/main">
+            <a:r>
               <a:rPr lang="fr" dirty="0" smtClean="0">
                 <a:latin typeface="Segoe UI" panose="020B0502040204020203" pitchFamily="34" charset="0"/>
                 <a:cs typeface="Segoe UI" panose="020B0502040204020203" pitchFamily="34" charset="0"/>
@@ -4825,18 +4923,18 @@
             </a:endParaRPr>
           </a:p>
           <a:p>
-            <a:pPr xmlns:a="http://schemas.openxmlformats.org/drawingml/2006/main">
+            <a:pPr>
               <a:buFont typeface="Arial" panose="020B0604020202020204" pitchFamily="34" charset="0"/>
               <a:buChar char="•"/>
             </a:pPr>
-            <a:r xmlns:a="http://schemas.openxmlformats.org/drawingml/2006/main">
+            <a:r>
               <a:rPr lang="fr" b="1" dirty="0">
                 <a:latin typeface="Segoe UI" panose="020B0502040204020203" pitchFamily="34" charset="0"/>
                 <a:cs typeface="Segoe UI" panose="020B0502040204020203" pitchFamily="34" charset="0"/>
               </a:rPr>
               <a:t>Recommandation </a:t>
             </a:r>
-            <a:r xmlns:a="http://schemas.openxmlformats.org/drawingml/2006/main">
+            <a:r>
               <a:rPr lang="fr" dirty="0">
                 <a:latin typeface="Segoe UI" panose="020B0502040204020203" pitchFamily="34" charset="0"/>
                 <a:cs typeface="Segoe UI" panose="020B0502040204020203" pitchFamily="34" charset="0"/>
@@ -4965,8 +5063,8 @@
         </p:nvSpPr>
         <p:spPr>
           <a:xfrm>
-            <a:off x="2916199" y="2162433"/>
-            <a:ext cx="6230360" cy="1569660"/>
+            <a:off x="4516312" y="2409940"/>
+            <a:ext cx="3456395" cy="1569660"/>
           </a:xfrm>
           <a:prstGeom prst="rect">
             <a:avLst/>
@@ -4979,7 +5077,8 @@
           </a:bodyPr>
           <a:lstStyle/>
           <a:p>
-            <a:r xmlns:a="http://schemas.openxmlformats.org/drawingml/2006/main">
+            <a:pPr algn="ctr"/>
+            <a:r>
               <a:rPr lang="fr" sz="9600" b="1" dirty="0" smtClean="0">
                 <a:solidFill>
                   <a:srgbClr val="7030A0"/>
@@ -4990,7 +5089,7 @@
               </a:rPr>
               <a:t>Merci</a:t>
             </a:r>
-            <a:endParaRPr xmlns:a="http://schemas.openxmlformats.org/drawingml/2006/main" lang="en-US" sz="9600" b="1" dirty="0">
+            <a:endParaRPr lang="en-US" sz="9600" b="1" dirty="0">
               <a:solidFill>
                 <a:srgbClr val="7030A0"/>
               </a:solidFill>
@@ -5009,8 +5108,8 @@
         </p:nvSpPr>
         <p:spPr>
           <a:xfrm>
-            <a:off x="2990336" y="2217861"/>
-            <a:ext cx="6230360" cy="1569660"/>
+            <a:off x="4439195" y="2314114"/>
+            <a:ext cx="3456395" cy="1569660"/>
           </a:xfrm>
           <a:prstGeom prst="rect">
             <a:avLst/>
@@ -5023,7 +5122,8 @@
           </a:bodyPr>
           <a:lstStyle/>
           <a:p>
-            <a:r xmlns:a="http://schemas.openxmlformats.org/drawingml/2006/main">
+            <a:pPr algn="ctr"/>
+            <a:r>
               <a:rPr lang="fr" sz="9600" b="1" dirty="0" smtClean="0">
                 <a:solidFill>
                   <a:schemeClr val="bg1"/>
@@ -5034,7 +5134,7 @@
               </a:rPr>
               <a:t>Merci</a:t>
             </a:r>
-            <a:endParaRPr xmlns:a="http://schemas.openxmlformats.org/drawingml/2006/main" lang="en-US" sz="9600" b="1" dirty="0">
+            <a:endParaRPr lang="en-US" sz="9600" b="1" dirty="0">
               <a:solidFill>
                 <a:schemeClr val="bg1"/>
               </a:solidFill>
@@ -5084,7 +5184,7 @@
         <p:spPr>
           <a:xfrm>
             <a:off x="323133" y="192505"/>
-            <a:ext cx="2676502" cy="461665"/>
+            <a:ext cx="2722092" cy="461665"/>
           </a:xfrm>
           <a:prstGeom prst="rect">
             <a:avLst/>
@@ -5097,14 +5197,35 @@
           </a:bodyPr>
           <a:lstStyle/>
           <a:p>
-            <a:r xmlns:a="http://schemas.openxmlformats.org/drawingml/2006/main">
-              <a:rPr lang="fr" sz="2400" dirty="0" smtClean="0">
-                <a:latin typeface="Segoe UI" panose="020B0502040204020203" pitchFamily="34" charset="0"/>
-                <a:cs typeface="Segoe UI" panose="020B0502040204020203" pitchFamily="34" charset="0"/>
-              </a:rPr>
-              <a:t>L'influenceur clé</a:t>
-            </a:r>
-            <a:endParaRPr xmlns:a="http://schemas.openxmlformats.org/drawingml/2006/main" lang="en-US" sz="2400" dirty="0">
+            <a:r>
+              <a:rPr lang="en-US" sz="2400" b="1" dirty="0" smtClean="0">
+                <a:latin typeface="Segoe UI" panose="020B0502040204020203" pitchFamily="34" charset="0"/>
+                <a:cs typeface="Segoe UI" panose="020B0502040204020203" pitchFamily="34" charset="0"/>
+              </a:rPr>
+              <a:t>La </a:t>
+            </a:r>
+            <a:r>
+              <a:rPr lang="en-US" sz="2400" b="1" dirty="0" err="1" smtClean="0">
+                <a:latin typeface="Segoe UI" panose="020B0502040204020203" pitchFamily="34" charset="0"/>
+                <a:cs typeface="Segoe UI" panose="020B0502040204020203" pitchFamily="34" charset="0"/>
+              </a:rPr>
+              <a:t>clé</a:t>
+            </a:r>
+            <a:r>
+              <a:rPr lang="en-US" sz="2400" b="1" dirty="0" smtClean="0">
+                <a:latin typeface="Segoe UI" panose="020B0502040204020203" pitchFamily="34" charset="0"/>
+                <a:cs typeface="Segoe UI" panose="020B0502040204020203" pitchFamily="34" charset="0"/>
+              </a:rPr>
+              <a:t> </a:t>
+            </a:r>
+            <a:r>
+              <a:rPr lang="en-US" sz="2400" b="1" dirty="0" err="1" smtClean="0">
+                <a:latin typeface="Segoe UI" panose="020B0502040204020203" pitchFamily="34" charset="0"/>
+                <a:cs typeface="Segoe UI" panose="020B0502040204020203" pitchFamily="34" charset="0"/>
+              </a:rPr>
+              <a:t>influenceur</a:t>
+            </a:r>
+            <a:endParaRPr lang="en-US" sz="2400" b="1" dirty="0">
               <a:latin typeface="Segoe UI" panose="020B0502040204020203" pitchFamily="34" charset="0"/>
               <a:cs typeface="Segoe UI" panose="020B0502040204020203" pitchFamily="34" charset="0"/>
             </a:endParaRPr>
@@ -5120,7 +5241,7 @@
         <p:spPr>
           <a:xfrm>
             <a:off x="378135" y="756271"/>
-            <a:ext cx="8191601" cy="369332"/>
+            <a:ext cx="10455747" cy="369332"/>
           </a:xfrm>
           <a:prstGeom prst="rect">
             <a:avLst/>
@@ -5133,21 +5254,42 @@
           </a:bodyPr>
           <a:lstStyle/>
           <a:p>
-            <a:r xmlns:a="http://schemas.openxmlformats.org/drawingml/2006/main">
+            <a:r>
               <a:rPr lang="fr" b="1" dirty="0" smtClean="0">
                 <a:latin typeface="Segoe UI" panose="020B0502040204020203" pitchFamily="34" charset="0"/>
                 <a:cs typeface="Segoe UI" panose="020B0502040204020203" pitchFamily="34" charset="0"/>
               </a:rPr>
               <a:t>Remarque : </a:t>
             </a:r>
-            <a:r xmlns:a="http://schemas.openxmlformats.org/drawingml/2006/main">
+            <a:r>
               <a:rPr lang="fr" dirty="0" smtClean="0">
                 <a:latin typeface="Segoe UI" panose="020B0502040204020203" pitchFamily="34" charset="0"/>
                 <a:cs typeface="Segoe UI" panose="020B0502040204020203" pitchFamily="34" charset="0"/>
               </a:rPr>
-              <a:t>ce laboratoire est basé sur le fichier Excel customerfeedback.xlsx dans les sources Excel</a:t>
-            </a:r>
-            <a:endParaRPr xmlns:a="http://schemas.openxmlformats.org/drawingml/2006/main" lang="en-US" dirty="0">
+              <a:t>ce laboratoire est basé sur le fichier Excel </a:t>
+            </a:r>
+            <a:r>
+              <a:rPr lang="fr" b="1" dirty="0" smtClean="0">
+                <a:latin typeface="Segoe UI" panose="020B0502040204020203" pitchFamily="34" charset="0"/>
+                <a:cs typeface="Segoe UI" panose="020B0502040204020203" pitchFamily="34" charset="0"/>
+              </a:rPr>
+              <a:t>customerfeedback.xlsx</a:t>
+            </a:r>
+            <a:r>
+              <a:rPr lang="fr" dirty="0" smtClean="0">
+                <a:latin typeface="Segoe UI" panose="020B0502040204020203" pitchFamily="34" charset="0"/>
+                <a:cs typeface="Segoe UI" panose="020B0502040204020203" pitchFamily="34" charset="0"/>
+              </a:rPr>
+              <a:t> dans les sources </a:t>
+            </a:r>
+            <a:r>
+              <a:rPr lang="fr" b="1" dirty="0" smtClean="0">
+                <a:latin typeface="Segoe UI" panose="020B0502040204020203" pitchFamily="34" charset="0"/>
+                <a:cs typeface="Segoe UI" panose="020B0502040204020203" pitchFamily="34" charset="0"/>
+              </a:rPr>
+              <a:t>Excel</a:t>
+            </a:r>
+            <a:endParaRPr lang="en-US" b="1" dirty="0">
               <a:latin typeface="Segoe UI" panose="020B0502040204020203" pitchFamily="34" charset="0"/>
               <a:cs typeface="Segoe UI" panose="020B0502040204020203" pitchFamily="34" charset="0"/>
             </a:endParaRPr>
@@ -5176,28 +5318,28 @@
           </a:bodyPr>
           <a:lstStyle/>
           <a:p>
-            <a:r xmlns:a="http://schemas.openxmlformats.org/drawingml/2006/main">
+            <a:r>
               <a:rPr lang="fr" dirty="0" smtClean="0">
                 <a:latin typeface="Segoe UI" panose="020B0502040204020203" pitchFamily="34" charset="0"/>
                 <a:cs typeface="Segoe UI" panose="020B0502040204020203" pitchFamily="34" charset="0"/>
               </a:rPr>
               <a:t>Ajoutez un visuel </a:t>
             </a:r>
-            <a:r xmlns:a="http://schemas.openxmlformats.org/drawingml/2006/main">
+            <a:r>
               <a:rPr lang="fr" b="1" dirty="0" smtClean="0">
                 <a:latin typeface="Segoe UI" panose="020B0502040204020203" pitchFamily="34" charset="0"/>
                 <a:cs typeface="Segoe UI" panose="020B0502040204020203" pitchFamily="34" charset="0"/>
               </a:rPr>
               <a:t>d'influenceur clé </a:t>
             </a:r>
-            <a:r xmlns:a="http://schemas.openxmlformats.org/drawingml/2006/main">
+            <a:r>
               <a:rPr lang="fr" dirty="0" smtClean="0">
                 <a:latin typeface="Segoe UI" panose="020B0502040204020203" pitchFamily="34" charset="0"/>
                 <a:cs typeface="Segoe UI" panose="020B0502040204020203" pitchFamily="34" charset="0"/>
               </a:rPr>
               <a:t>à la scène</a:t>
             </a:r>
-            <a:endParaRPr xmlns:a="http://schemas.openxmlformats.org/drawingml/2006/main" lang="en-US" dirty="0">
+            <a:endParaRPr lang="en-US" dirty="0">
               <a:latin typeface="Segoe UI" panose="020B0502040204020203" pitchFamily="34" charset="0"/>
               <a:cs typeface="Segoe UI" panose="020B0502040204020203" pitchFamily="34" charset="0"/>
             </a:endParaRPr>
@@ -5267,7 +5409,7 @@
         <p:spPr>
           <a:xfrm>
             <a:off x="323133" y="192505"/>
-            <a:ext cx="2676502" cy="461665"/>
+            <a:ext cx="2722092" cy="461665"/>
           </a:xfrm>
           <a:prstGeom prst="rect">
             <a:avLst/>
@@ -5280,14 +5422,35 @@
           </a:bodyPr>
           <a:lstStyle/>
           <a:p>
-            <a:r xmlns:a="http://schemas.openxmlformats.org/drawingml/2006/main">
-              <a:rPr lang="fr" sz="2400" dirty="0" smtClean="0">
-                <a:latin typeface="Segoe UI" panose="020B0502040204020203" pitchFamily="34" charset="0"/>
-                <a:cs typeface="Segoe UI" panose="020B0502040204020203" pitchFamily="34" charset="0"/>
-              </a:rPr>
-              <a:t>L'influenceur clé</a:t>
-            </a:r>
-            <a:endParaRPr xmlns:a="http://schemas.openxmlformats.org/drawingml/2006/main" lang="en-US" sz="2400" dirty="0">
+            <a:r>
+              <a:rPr lang="en-US" sz="2400" b="1" dirty="0" smtClean="0">
+                <a:latin typeface="Segoe UI" panose="020B0502040204020203" pitchFamily="34" charset="0"/>
+                <a:cs typeface="Segoe UI" panose="020B0502040204020203" pitchFamily="34" charset="0"/>
+              </a:rPr>
+              <a:t>La </a:t>
+            </a:r>
+            <a:r>
+              <a:rPr lang="en-US" sz="2400" b="1" dirty="0" err="1" smtClean="0">
+                <a:latin typeface="Segoe UI" panose="020B0502040204020203" pitchFamily="34" charset="0"/>
+                <a:cs typeface="Segoe UI" panose="020B0502040204020203" pitchFamily="34" charset="0"/>
+              </a:rPr>
+              <a:t>clé</a:t>
+            </a:r>
+            <a:r>
+              <a:rPr lang="en-US" sz="2400" b="1" dirty="0" smtClean="0">
+                <a:latin typeface="Segoe UI" panose="020B0502040204020203" pitchFamily="34" charset="0"/>
+                <a:cs typeface="Segoe UI" panose="020B0502040204020203" pitchFamily="34" charset="0"/>
+              </a:rPr>
+              <a:t> </a:t>
+            </a:r>
+            <a:r>
+              <a:rPr lang="en-US" sz="2400" b="1" dirty="0" err="1" smtClean="0">
+                <a:latin typeface="Segoe UI" panose="020B0502040204020203" pitchFamily="34" charset="0"/>
+                <a:cs typeface="Segoe UI" panose="020B0502040204020203" pitchFamily="34" charset="0"/>
+              </a:rPr>
+              <a:t>influenceur</a:t>
+            </a:r>
+            <a:endParaRPr lang="en-US" sz="2400" b="1" dirty="0">
               <a:latin typeface="Segoe UI" panose="020B0502040204020203" pitchFamily="34" charset="0"/>
               <a:cs typeface="Segoe UI" panose="020B0502040204020203" pitchFamily="34" charset="0"/>
             </a:endParaRPr>
@@ -5316,35 +5479,35 @@
           </a:bodyPr>
           <a:lstStyle/>
           <a:p>
-            <a:r xmlns:a="http://schemas.openxmlformats.org/drawingml/2006/main">
+            <a:r>
               <a:rPr lang="fr" dirty="0" smtClean="0">
                 <a:latin typeface="Segoe UI" panose="020B0502040204020203" pitchFamily="34" charset="0"/>
                 <a:cs typeface="Segoe UI" panose="020B0502040204020203" pitchFamily="34" charset="0"/>
               </a:rPr>
               <a:t>Nous étudierons l'impact de plusieurs facteurs sur la notation client </a:t>
             </a:r>
-            <a:r xmlns:a="http://schemas.openxmlformats.org/drawingml/2006/main">
+            <a:r>
               <a:rPr lang="fr" b="1" dirty="0" smtClean="0">
                 <a:latin typeface="Segoe UI" panose="020B0502040204020203" pitchFamily="34" charset="0"/>
                 <a:cs typeface="Segoe UI" panose="020B0502040204020203" pitchFamily="34" charset="0"/>
               </a:rPr>
               <a:t>élevée </a:t>
             </a:r>
-            <a:r xmlns:a="http://schemas.openxmlformats.org/drawingml/2006/main">
+            <a:r>
               <a:rPr lang="fr" dirty="0" smtClean="0">
                 <a:latin typeface="Segoe UI" panose="020B0502040204020203" pitchFamily="34" charset="0"/>
                 <a:cs typeface="Segoe UI" panose="020B0502040204020203" pitchFamily="34" charset="0"/>
               </a:rPr>
               <a:t>ou </a:t>
             </a:r>
-            <a:r xmlns:a="http://schemas.openxmlformats.org/drawingml/2006/main">
+            <a:r>
               <a:rPr lang="fr" b="1" dirty="0" smtClean="0">
                 <a:latin typeface="Segoe UI" panose="020B0502040204020203" pitchFamily="34" charset="0"/>
                 <a:cs typeface="Segoe UI" panose="020B0502040204020203" pitchFamily="34" charset="0"/>
               </a:rPr>
               <a:t>faible</a:t>
             </a:r>
-            <a:endParaRPr xmlns:a="http://schemas.openxmlformats.org/drawingml/2006/main" lang="en-US" b="1" dirty="0">
+            <a:endParaRPr lang="en-US" b="1" dirty="0">
               <a:latin typeface="Segoe UI" panose="020B0502040204020203" pitchFamily="34" charset="0"/>
               <a:cs typeface="Segoe UI" panose="020B0502040204020203" pitchFamily="34" charset="0"/>
             </a:endParaRPr>
@@ -5385,6 +5548,54 @@
           </a:effectLst>
         </p:spPr>
       </p:pic>
+      <p:sp>
+        <p:nvSpPr>
+          <p:cNvPr id="4" name="Rectangle 3"/>
+          <p:cNvSpPr/>
+          <p:nvPr/>
+        </p:nvSpPr>
+        <p:spPr>
+          <a:xfrm>
+            <a:off x="7390828" y="1339083"/>
+            <a:ext cx="508763" cy="3507925"/>
+          </a:xfrm>
+          <a:prstGeom prst="rect">
+            <a:avLst/>
+          </a:prstGeom>
+          <a:solidFill>
+            <a:srgbClr val="FF0000">
+              <a:alpha val="18000"/>
+            </a:srgbClr>
+          </a:solidFill>
+          <a:ln>
+            <a:noFill/>
+          </a:ln>
+        </p:spPr>
+        <p:style>
+          <a:lnRef idx="2">
+            <a:schemeClr val="accent1">
+              <a:shade val="50000"/>
+            </a:schemeClr>
+          </a:lnRef>
+          <a:fillRef idx="1">
+            <a:schemeClr val="accent1"/>
+          </a:fillRef>
+          <a:effectRef idx="0">
+            <a:schemeClr val="accent1"/>
+          </a:effectRef>
+          <a:fontRef idx="minor">
+            <a:schemeClr val="lt1"/>
+          </a:fontRef>
+        </p:style>
+        <p:txBody>
+          <a:bodyPr rtlCol="0" anchor="ctr"/>
+          <a:lstStyle/>
+          <a:p>
+            <a:pPr algn="ctr"/>
+            <a:endParaRPr lang="en-US"/>
+          </a:p>
+        </p:txBody>
+      </p:sp>
     </p:spTree>
     <p:extLst>
       <p:ext uri="{BB962C8B-B14F-4D97-AF65-F5344CB8AC3E}">
@@ -5458,7 +5669,7 @@
         <p:spPr>
           <a:xfrm>
             <a:off x="323133" y="192505"/>
-            <a:ext cx="2676502" cy="461665"/>
+            <a:ext cx="2722092" cy="461665"/>
           </a:xfrm>
           <a:prstGeom prst="rect">
             <a:avLst/>
@@ -5471,14 +5682,35 @@
           </a:bodyPr>
           <a:lstStyle/>
           <a:p>
-            <a:r xmlns:a="http://schemas.openxmlformats.org/drawingml/2006/main">
-              <a:rPr lang="fr" sz="2400" dirty="0" smtClean="0">
-                <a:latin typeface="Segoe UI" panose="020B0502040204020203" pitchFamily="34" charset="0"/>
-                <a:cs typeface="Segoe UI" panose="020B0502040204020203" pitchFamily="34" charset="0"/>
-              </a:rPr>
-              <a:t>L'influenceur clé</a:t>
-            </a:r>
-            <a:endParaRPr xmlns:a="http://schemas.openxmlformats.org/drawingml/2006/main" lang="en-US" sz="2400" dirty="0">
+            <a:r>
+              <a:rPr lang="en-US" sz="2400" b="1" dirty="0" smtClean="0">
+                <a:latin typeface="Segoe UI" panose="020B0502040204020203" pitchFamily="34" charset="0"/>
+                <a:cs typeface="Segoe UI" panose="020B0502040204020203" pitchFamily="34" charset="0"/>
+              </a:rPr>
+              <a:t>La </a:t>
+            </a:r>
+            <a:r>
+              <a:rPr lang="en-US" sz="2400" b="1" dirty="0" err="1" smtClean="0">
+                <a:latin typeface="Segoe UI" panose="020B0502040204020203" pitchFamily="34" charset="0"/>
+                <a:cs typeface="Segoe UI" panose="020B0502040204020203" pitchFamily="34" charset="0"/>
+              </a:rPr>
+              <a:t>clé</a:t>
+            </a:r>
+            <a:r>
+              <a:rPr lang="en-US" sz="2400" b="1" dirty="0" smtClean="0">
+                <a:latin typeface="Segoe UI" panose="020B0502040204020203" pitchFamily="34" charset="0"/>
+                <a:cs typeface="Segoe UI" panose="020B0502040204020203" pitchFamily="34" charset="0"/>
+              </a:rPr>
+              <a:t> </a:t>
+            </a:r>
+            <a:r>
+              <a:rPr lang="en-US" sz="2400" b="1" dirty="0" err="1" smtClean="0">
+                <a:latin typeface="Segoe UI" panose="020B0502040204020203" pitchFamily="34" charset="0"/>
+                <a:cs typeface="Segoe UI" panose="020B0502040204020203" pitchFamily="34" charset="0"/>
+              </a:rPr>
+              <a:t>influenceur</a:t>
+            </a:r>
+            <a:endParaRPr lang="en-US" sz="2400" b="1" dirty="0">
               <a:latin typeface="Segoe UI" panose="020B0502040204020203" pitchFamily="34" charset="0"/>
               <a:cs typeface="Segoe UI" panose="020B0502040204020203" pitchFamily="34" charset="0"/>
             </a:endParaRPr>
@@ -5507,35 +5739,35 @@
           </a:bodyPr>
           <a:lstStyle/>
           <a:p>
-            <a:r xmlns:a="http://schemas.openxmlformats.org/drawingml/2006/main">
+            <a:r>
               <a:rPr lang="fr" dirty="0" smtClean="0">
                 <a:latin typeface="Segoe UI" panose="020B0502040204020203" pitchFamily="34" charset="0"/>
                 <a:cs typeface="Segoe UI" panose="020B0502040204020203" pitchFamily="34" charset="0"/>
               </a:rPr>
               <a:t>Nous étudierons l'impact de plusieurs facteurs sur la notation client </a:t>
             </a:r>
-            <a:r xmlns:a="http://schemas.openxmlformats.org/drawingml/2006/main">
+            <a:r>
               <a:rPr lang="fr" b="1" dirty="0" smtClean="0">
                 <a:latin typeface="Segoe UI" panose="020B0502040204020203" pitchFamily="34" charset="0"/>
                 <a:cs typeface="Segoe UI" panose="020B0502040204020203" pitchFamily="34" charset="0"/>
               </a:rPr>
               <a:t>élevée </a:t>
             </a:r>
-            <a:r xmlns:a="http://schemas.openxmlformats.org/drawingml/2006/main">
+            <a:r>
               <a:rPr lang="fr" dirty="0" smtClean="0">
                 <a:latin typeface="Segoe UI" panose="020B0502040204020203" pitchFamily="34" charset="0"/>
                 <a:cs typeface="Segoe UI" panose="020B0502040204020203" pitchFamily="34" charset="0"/>
               </a:rPr>
               <a:t>ou </a:t>
             </a:r>
-            <a:r xmlns:a="http://schemas.openxmlformats.org/drawingml/2006/main">
+            <a:r>
               <a:rPr lang="fr" b="1" dirty="0" smtClean="0">
                 <a:latin typeface="Segoe UI" panose="020B0502040204020203" pitchFamily="34" charset="0"/>
                 <a:cs typeface="Segoe UI" panose="020B0502040204020203" pitchFamily="34" charset="0"/>
               </a:rPr>
               <a:t>faible</a:t>
             </a:r>
-            <a:endParaRPr xmlns:a="http://schemas.openxmlformats.org/drawingml/2006/main" lang="en-US" b="1" dirty="0">
+            <a:endParaRPr lang="en-US" b="1" dirty="0">
               <a:latin typeface="Segoe UI" panose="020B0502040204020203" pitchFamily="34" charset="0"/>
               <a:cs typeface="Segoe UI" panose="020B0502040204020203" pitchFamily="34" charset="0"/>
             </a:endParaRPr>
@@ -5821,7 +6053,7 @@
         <p:spPr>
           <a:xfrm>
             <a:off x="323133" y="192505"/>
-            <a:ext cx="2676502" cy="461665"/>
+            <a:ext cx="2722092" cy="461665"/>
           </a:xfrm>
           <a:prstGeom prst="rect">
             <a:avLst/>
@@ -5834,14 +6066,35 @@
           </a:bodyPr>
           <a:lstStyle/>
           <a:p>
-            <a:r xmlns:a="http://schemas.openxmlformats.org/drawingml/2006/main">
-              <a:rPr lang="fr" sz="2400" dirty="0" smtClean="0">
-                <a:latin typeface="Segoe UI" panose="020B0502040204020203" pitchFamily="34" charset="0"/>
-                <a:cs typeface="Segoe UI" panose="020B0502040204020203" pitchFamily="34" charset="0"/>
-              </a:rPr>
-              <a:t>L'influenceur clé</a:t>
-            </a:r>
-            <a:endParaRPr xmlns:a="http://schemas.openxmlformats.org/drawingml/2006/main" lang="en-US" sz="2400" dirty="0">
+            <a:r>
+              <a:rPr lang="en-US" sz="2400" b="1" dirty="0" smtClean="0">
+                <a:latin typeface="Segoe UI" panose="020B0502040204020203" pitchFamily="34" charset="0"/>
+                <a:cs typeface="Segoe UI" panose="020B0502040204020203" pitchFamily="34" charset="0"/>
+              </a:rPr>
+              <a:t>La </a:t>
+            </a:r>
+            <a:r>
+              <a:rPr lang="en-US" sz="2400" b="1" dirty="0" err="1" smtClean="0">
+                <a:latin typeface="Segoe UI" panose="020B0502040204020203" pitchFamily="34" charset="0"/>
+                <a:cs typeface="Segoe UI" panose="020B0502040204020203" pitchFamily="34" charset="0"/>
+              </a:rPr>
+              <a:t>clé</a:t>
+            </a:r>
+            <a:r>
+              <a:rPr lang="en-US" sz="2400" b="1" dirty="0" smtClean="0">
+                <a:latin typeface="Segoe UI" panose="020B0502040204020203" pitchFamily="34" charset="0"/>
+                <a:cs typeface="Segoe UI" panose="020B0502040204020203" pitchFamily="34" charset="0"/>
+              </a:rPr>
+              <a:t> </a:t>
+            </a:r>
+            <a:r>
+              <a:rPr lang="en-US" sz="2400" b="1" dirty="0" err="1" smtClean="0">
+                <a:latin typeface="Segoe UI" panose="020B0502040204020203" pitchFamily="34" charset="0"/>
+                <a:cs typeface="Segoe UI" panose="020B0502040204020203" pitchFamily="34" charset="0"/>
+              </a:rPr>
+              <a:t>influenceur</a:t>
+            </a:r>
+            <a:endParaRPr lang="en-US" sz="2400" b="1" dirty="0">
               <a:latin typeface="Segoe UI" panose="020B0502040204020203" pitchFamily="34" charset="0"/>
               <a:cs typeface="Segoe UI" panose="020B0502040204020203" pitchFamily="34" charset="0"/>
             </a:endParaRPr>
@@ -5857,7 +6110,7 @@
         <p:spPr>
           <a:xfrm>
             <a:off x="378135" y="756271"/>
-            <a:ext cx="11488017" cy="646331"/>
+            <a:ext cx="8533683" cy="923330"/>
           </a:xfrm>
           <a:prstGeom prst="rect">
             <a:avLst/>
@@ -5870,177 +6123,134 @@
           </a:bodyPr>
           <a:lstStyle/>
           <a:p>
-            <a:r xmlns:a="http://schemas.openxmlformats.org/drawingml/2006/main">
-              <a:rPr lang="fr" dirty="0" err="1" smtClean="0">
-                <a:latin typeface="Segoe UI" panose="020B0502040204020203" pitchFamily="34" charset="0"/>
-                <a:cs typeface="Segoe UI" panose="020B0502040204020203" pitchFamily="34" charset="0"/>
-              </a:rPr>
-              <a:t>Ajouter</a:t>
-            </a:r>
-            <a:r xmlns:a="http://schemas.openxmlformats.org/drawingml/2006/main">
+            <a:r>
               <a:rPr lang="fr" dirty="0" smtClean="0">
                 <a:latin typeface="Segoe UI" panose="020B0502040204020203" pitchFamily="34" charset="0"/>
                 <a:cs typeface="Segoe UI" panose="020B0502040204020203" pitchFamily="34" charset="0"/>
               </a:rPr>
-              <a:t> </a:t>
-            </a:r>
-            <a:r xmlns:a="http://schemas.openxmlformats.org/drawingml/2006/main">
+              <a:t>Ajouter </a:t>
+            </a:r>
+            <a:r>
               <a:rPr lang="fr" b="1" dirty="0" smtClean="0">
                 <a:latin typeface="Segoe UI" panose="020B0502040204020203" pitchFamily="34" charset="0"/>
                 <a:cs typeface="Segoe UI" panose="020B0502040204020203" pitchFamily="34" charset="0"/>
               </a:rPr>
               <a:t>Évaluation </a:t>
             </a:r>
-            <a:r xmlns:a="http://schemas.openxmlformats.org/drawingml/2006/main">
+            <a:r>
               <a:rPr lang="fr" dirty="0" smtClean="0">
                 <a:latin typeface="Segoe UI" panose="020B0502040204020203" pitchFamily="34" charset="0"/>
                 <a:cs typeface="Segoe UI" panose="020B0502040204020203" pitchFamily="34" charset="0"/>
               </a:rPr>
               <a:t>pour </a:t>
             </a:r>
-            <a:r xmlns:a="http://schemas.openxmlformats.org/drawingml/2006/main">
+            <a:r>
               <a:rPr lang="fr" b="1" dirty="0" smtClean="0">
                 <a:latin typeface="Segoe UI" panose="020B0502040204020203" pitchFamily="34" charset="0"/>
                 <a:cs typeface="Segoe UI" panose="020B0502040204020203" pitchFamily="34" charset="0"/>
               </a:rPr>
               <a:t>analyser </a:t>
             </a:r>
-            <a:r xmlns:a="http://schemas.openxmlformats.org/drawingml/2006/main">
+            <a:r>
               <a:rPr lang="fr" dirty="0" smtClean="0">
                 <a:latin typeface="Segoe UI" panose="020B0502040204020203" pitchFamily="34" charset="0"/>
                 <a:cs typeface="Segoe UI" panose="020B0502040204020203" pitchFamily="34" charset="0"/>
               </a:rPr>
-              <a:t>puis</a:t>
-            </a:r>
-            <a:r xmlns:a="http://schemas.openxmlformats.org/drawingml/2006/main">
-              <a:rPr lang="fr" dirty="0" err="1" smtClean="0">
-                <a:latin typeface="Segoe UI" panose="020B0502040204020203" pitchFamily="34" charset="0"/>
-                <a:cs typeface="Segoe UI" panose="020B0502040204020203" pitchFamily="34" charset="0"/>
-              </a:rPr>
-              <a:t>​</a:t>
-            </a:r>
-            <a:r xmlns:a="http://schemas.openxmlformats.org/drawingml/2006/main">
+              <a:t>puis​ </a:t>
+            </a:r>
+            <a:r>
+              <a:rPr lang="fr" b="1" dirty="0" smtClean="0">
+                <a:latin typeface="Segoe UI" panose="020B0502040204020203" pitchFamily="34" charset="0"/>
+                <a:cs typeface="Segoe UI" panose="020B0502040204020203" pitchFamily="34" charset="0"/>
+              </a:rPr>
+              <a:t>Pays- Région </a:t>
+            </a:r>
+            <a:r>
               <a:rPr lang="fr" dirty="0" smtClean="0">
                 <a:latin typeface="Segoe UI" panose="020B0502040204020203" pitchFamily="34" charset="0"/>
                 <a:cs typeface="Segoe UI" panose="020B0502040204020203" pitchFamily="34" charset="0"/>
               </a:rPr>
-              <a:t> </a:t>
-            </a:r>
-            <a:r xmlns:a="http://schemas.openxmlformats.org/drawingml/2006/main">
+              <a:t>, </a:t>
+            </a:r>
+            <a:r>
               <a:rPr lang="fr" b="1" dirty="0" smtClean="0">
                 <a:latin typeface="Segoe UI" panose="020B0502040204020203" pitchFamily="34" charset="0"/>
                 <a:cs typeface="Segoe UI" panose="020B0502040204020203" pitchFamily="34" charset="0"/>
               </a:rPr>
-              <a:t>Pays- </a:t>
-            </a:r>
-            <a:r xmlns:a="http://schemas.openxmlformats.org/drawingml/2006/main">
-              <a:rPr lang="fr" b="1" dirty="0" err="1" smtClean="0">
-                <a:latin typeface="Segoe UI" panose="020B0502040204020203" pitchFamily="34" charset="0"/>
-                <a:cs typeface="Segoe UI" panose="020B0502040204020203" pitchFamily="34" charset="0"/>
-              </a:rPr>
-              <a:t>Région </a:t>
-            </a:r>
-            <a:r xmlns:a="http://schemas.openxmlformats.org/drawingml/2006/main">
+              <a:t>Rôle dans l'organisation </a:t>
+            </a:r>
+            <a:r>
               <a:rPr lang="fr" dirty="0" smtClean="0">
                 <a:latin typeface="Segoe UI" panose="020B0502040204020203" pitchFamily="34" charset="0"/>
                 <a:cs typeface="Segoe UI" panose="020B0502040204020203" pitchFamily="34" charset="0"/>
               </a:rPr>
               <a:t>, </a:t>
             </a:r>
-            <a:r xmlns:a="http://schemas.openxmlformats.org/drawingml/2006/main">
-              <a:rPr lang="fr" b="1" dirty="0" err="1" smtClean="0">
-                <a:latin typeface="Segoe UI" panose="020B0502040204020203" pitchFamily="34" charset="0"/>
-                <a:cs typeface="Segoe UI" panose="020B0502040204020203" pitchFamily="34" charset="0"/>
-              </a:rPr>
-              <a:t>Rôle </a:t>
-            </a:r>
-            <a:r xmlns:a="http://schemas.openxmlformats.org/drawingml/2006/main">
+            <a:endParaRPr lang="fr" dirty="0" smtClean="0">
+              <a:latin typeface="Segoe UI" panose="020B0502040204020203" pitchFamily="34" charset="0"/>
+              <a:cs typeface="Segoe UI" panose="020B0502040204020203" pitchFamily="34" charset="0"/>
+            </a:endParaRPr>
+          </a:p>
+          <a:p>
+            <a:r>
               <a:rPr lang="fr" b="1" dirty="0" smtClean="0">
                 <a:latin typeface="Segoe UI" panose="020B0502040204020203" pitchFamily="34" charset="0"/>
                 <a:cs typeface="Segoe UI" panose="020B0502040204020203" pitchFamily="34" charset="0"/>
               </a:rPr>
-              <a:t>dans </a:t>
-            </a:r>
-            <a:r xmlns:a="http://schemas.openxmlformats.org/drawingml/2006/main">
-              <a:rPr lang="fr" b="1" dirty="0" err="1" smtClean="0">
-                <a:latin typeface="Segoe UI" panose="020B0502040204020203" pitchFamily="34" charset="0"/>
-                <a:cs typeface="Segoe UI" panose="020B0502040204020203" pitchFamily="34" charset="0"/>
-              </a:rPr>
-              <a:t>l'organisation </a:t>
-            </a:r>
-            <a:r xmlns:a="http://schemas.openxmlformats.org/drawingml/2006/main">
+              <a:t>Taille </a:t>
+            </a:r>
+            <a:r>
+              <a:rPr lang="fr" b="1" dirty="0" smtClean="0">
+                <a:latin typeface="Segoe UI" panose="020B0502040204020203" pitchFamily="34" charset="0"/>
+                <a:cs typeface="Segoe UI" panose="020B0502040204020203" pitchFamily="34" charset="0"/>
+              </a:rPr>
+              <a:t>de l'entreprise </a:t>
+            </a:r>
+            <a:r>
               <a:rPr lang="fr" dirty="0" smtClean="0">
                 <a:latin typeface="Segoe UI" panose="020B0502040204020203" pitchFamily="34" charset="0"/>
                 <a:cs typeface="Segoe UI" panose="020B0502040204020203" pitchFamily="34" charset="0"/>
               </a:rPr>
-              <a:t>, </a:t>
-            </a:r>
-            <a:r xmlns:a="http://schemas.openxmlformats.org/drawingml/2006/main">
+              <a:t>et </a:t>
+            </a:r>
+            <a:r>
               <a:rPr lang="fr" b="1" dirty="0" smtClean="0">
                 <a:latin typeface="Segoe UI" panose="020B0502040204020203" pitchFamily="34" charset="0"/>
                 <a:cs typeface="Segoe UI" panose="020B0502040204020203" pitchFamily="34" charset="0"/>
               </a:rPr>
-              <a:t>Taille </a:t>
-            </a:r>
-            <a:r xmlns:a="http://schemas.openxmlformats.org/drawingml/2006/main">
-              <a:rPr lang="fr" b="1" dirty="0" err="1" smtClean="0">
-                <a:latin typeface="Segoe UI" panose="020B0502040204020203" pitchFamily="34" charset="0"/>
-                <a:cs typeface="Segoe UI" panose="020B0502040204020203" pitchFamily="34" charset="0"/>
-              </a:rPr>
-              <a:t>de l'entreprise </a:t>
-            </a:r>
-            <a:r xmlns:a="http://schemas.openxmlformats.org/drawingml/2006/main">
+              <a:t>Thème </a:t>
+            </a:r>
+            <a:r>
               <a:rPr lang="fr" dirty="0" smtClean="0">
                 <a:latin typeface="Segoe UI" panose="020B0502040204020203" pitchFamily="34" charset="0"/>
                 <a:cs typeface="Segoe UI" panose="020B0502040204020203" pitchFamily="34" charset="0"/>
               </a:rPr>
-              <a:t>et </a:t>
-            </a:r>
-            <a:r xmlns:a="http://schemas.openxmlformats.org/drawingml/2006/main">
-              <a:rPr lang="fr" b="1" dirty="0" err="1" smtClean="0">
-                <a:latin typeface="Segoe UI" panose="020B0502040204020203" pitchFamily="34" charset="0"/>
-                <a:cs typeface="Segoe UI" panose="020B0502040204020203" pitchFamily="34" charset="0"/>
-              </a:rPr>
-              <a:t>Thème </a:t>
-            </a:r>
-            <a:r xmlns:a="http://schemas.openxmlformats.org/drawingml/2006/main">
+              <a:t>à </a:t>
+            </a:r>
+            <a:r>
+              <a:rPr lang="fr" b="1" dirty="0" smtClean="0">
+                <a:latin typeface="Segoe UI" panose="020B0502040204020203" pitchFamily="34" charset="0"/>
+                <a:cs typeface="Segoe UI" panose="020B0502040204020203" pitchFamily="34" charset="0"/>
+              </a:rPr>
+              <a:t>expliquer par </a:t>
+            </a:r>
+            <a:r>
               <a:rPr lang="fr" dirty="0" smtClean="0">
                 <a:latin typeface="Segoe UI" panose="020B0502040204020203" pitchFamily="34" charset="0"/>
                 <a:cs typeface="Segoe UI" panose="020B0502040204020203" pitchFamily="34" charset="0"/>
               </a:rPr>
-              <a:t>à </a:t>
-            </a:r>
-            <a:r xmlns:a="http://schemas.openxmlformats.org/drawingml/2006/main">
-              <a:rPr lang="fr" b="1" dirty="0" err="1" smtClean="0">
-                <a:latin typeface="Segoe UI" panose="020B0502040204020203" pitchFamily="34" charset="0"/>
-                <a:cs typeface="Segoe UI" panose="020B0502040204020203" pitchFamily="34" charset="0"/>
-              </a:rPr>
-              <a:t>expliquer </a:t>
-            </a:r>
-            <a:r xmlns:a="http://schemas.openxmlformats.org/drawingml/2006/main">
-              <a:rPr lang="fr" b="1" dirty="0" smtClean="0">
-                <a:latin typeface="Segoe UI" panose="020B0502040204020203" pitchFamily="34" charset="0"/>
-                <a:cs typeface="Segoe UI" panose="020B0502040204020203" pitchFamily="34" charset="0"/>
-              </a:rPr>
-              <a:t>par </a:t>
-            </a:r>
-            <a:r xmlns:a="http://schemas.openxmlformats.org/drawingml/2006/main">
+              <a:t>et</a:t>
+            </a:r>
+          </a:p>
+          <a:p>
+            <a:r>
               <a:rPr lang="fr" dirty="0" smtClean="0">
                 <a:latin typeface="Segoe UI" panose="020B0502040204020203" pitchFamily="34" charset="0"/>
                 <a:cs typeface="Segoe UI" panose="020B0502040204020203" pitchFamily="34" charset="0"/>
               </a:rPr>
-              <a:t>et</a:t>
-            </a:r>
-          </a:p>
-          <a:p>
-            <a:r xmlns:a="http://schemas.openxmlformats.org/drawingml/2006/main">
-              <a:rPr lang="fr" dirty="0" smtClean="0">
-                <a:latin typeface="Segoe UI" panose="020B0502040204020203" pitchFamily="34" charset="0"/>
-                <a:cs typeface="Segoe UI" panose="020B0502040204020203" pitchFamily="34" charset="0"/>
-              </a:rPr>
               <a:t>observer le changement</a:t>
             </a:r>
-            <a:endParaRPr xmlns:a="http://schemas.openxmlformats.org/drawingml/2006/main" lang="en-US" b="1" dirty="0">
+            <a:endParaRPr lang="en-US" b="1" dirty="0">
               <a:latin typeface="Segoe UI" panose="020B0502040204020203" pitchFamily="34" charset="0"/>
               <a:cs typeface="Segoe UI" panose="020B0502040204020203" pitchFamily="34" charset="0"/>
             </a:endParaRPr>
@@ -6250,7 +6460,7 @@
         <p:spPr>
           <a:xfrm>
             <a:off x="323133" y="192505"/>
-            <a:ext cx="2676502" cy="461665"/>
+            <a:ext cx="2722092" cy="461665"/>
           </a:xfrm>
           <a:prstGeom prst="rect">
             <a:avLst/>
@@ -6263,14 +6473,35 @@
           </a:bodyPr>
           <a:lstStyle/>
           <a:p>
-            <a:r xmlns:a="http://schemas.openxmlformats.org/drawingml/2006/main">
-              <a:rPr lang="fr" sz="2400" dirty="0" smtClean="0">
-                <a:latin typeface="Segoe UI" panose="020B0502040204020203" pitchFamily="34" charset="0"/>
-                <a:cs typeface="Segoe UI" panose="020B0502040204020203" pitchFamily="34" charset="0"/>
-              </a:rPr>
-              <a:t>L'influenceur clé</a:t>
-            </a:r>
-            <a:endParaRPr xmlns:a="http://schemas.openxmlformats.org/drawingml/2006/main" lang="en-US" sz="2400" dirty="0">
+            <a:r>
+              <a:rPr lang="en-US" sz="2400" b="1" dirty="0" smtClean="0">
+                <a:latin typeface="Segoe UI" panose="020B0502040204020203" pitchFamily="34" charset="0"/>
+                <a:cs typeface="Segoe UI" panose="020B0502040204020203" pitchFamily="34" charset="0"/>
+              </a:rPr>
+              <a:t>La </a:t>
+            </a:r>
+            <a:r>
+              <a:rPr lang="en-US" sz="2400" b="1" dirty="0" err="1" smtClean="0">
+                <a:latin typeface="Segoe UI" panose="020B0502040204020203" pitchFamily="34" charset="0"/>
+                <a:cs typeface="Segoe UI" panose="020B0502040204020203" pitchFamily="34" charset="0"/>
+              </a:rPr>
+              <a:t>clé</a:t>
+            </a:r>
+            <a:r>
+              <a:rPr lang="en-US" sz="2400" b="1" dirty="0" smtClean="0">
+                <a:latin typeface="Segoe UI" panose="020B0502040204020203" pitchFamily="34" charset="0"/>
+                <a:cs typeface="Segoe UI" panose="020B0502040204020203" pitchFamily="34" charset="0"/>
+              </a:rPr>
+              <a:t> </a:t>
+            </a:r>
+            <a:r>
+              <a:rPr lang="en-US" sz="2400" b="1" dirty="0" err="1" smtClean="0">
+                <a:latin typeface="Segoe UI" panose="020B0502040204020203" pitchFamily="34" charset="0"/>
+                <a:cs typeface="Segoe UI" panose="020B0502040204020203" pitchFamily="34" charset="0"/>
+              </a:rPr>
+              <a:t>influenceur</a:t>
+            </a:r>
+            <a:endParaRPr lang="en-US" sz="2400" b="1" dirty="0">
               <a:latin typeface="Segoe UI" panose="020B0502040204020203" pitchFamily="34" charset="0"/>
               <a:cs typeface="Segoe UI" panose="020B0502040204020203" pitchFamily="34" charset="0"/>
             </a:endParaRPr>
@@ -6320,7 +6551,7 @@
         <p:spPr>
           <a:xfrm>
             <a:off x="456054" y="940056"/>
-            <a:ext cx="7065402" cy="3416320"/>
+            <a:ext cx="7065402" cy="3693319"/>
           </a:xfrm>
           <a:prstGeom prst="rect">
             <a:avLst/>
@@ -6332,14 +6563,14 @@
           </a:bodyPr>
           <a:lstStyle/>
           <a:p>
-            <a:r xmlns:a="http://schemas.openxmlformats.org/drawingml/2006/main">
+            <a:r>
               <a:rPr lang="fr" b="1" dirty="0">
                 <a:latin typeface="Segoe UI" panose="020B0502040204020203" pitchFamily="34" charset="0"/>
                 <a:cs typeface="Segoe UI" panose="020B0502040204020203" pitchFamily="34" charset="0"/>
               </a:rPr>
               <a:t>Rôle dans l'organisation en tant qu'« éditeur »</a:t>
             </a:r>
-            <a:r xmlns:a="http://schemas.openxmlformats.org/drawingml/2006/main">
+            <a:r>
               <a:rPr lang="fr" dirty="0">
                 <a:latin typeface="Segoe UI" panose="020B0502040204020203" pitchFamily="34" charset="0"/>
                 <a:cs typeface="Segoe UI" panose="020B0502040204020203" pitchFamily="34" charset="0"/>
@@ -6348,42 +6579,42 @@
             </a:r>
           </a:p>
           <a:p>
-            <a:r xmlns:a="http://schemas.openxmlformats.org/drawingml/2006/main">
+            <a:r>
               <a:rPr lang="fr" dirty="0">
                 <a:latin typeface="Segoe UI" panose="020B0502040204020203" pitchFamily="34" charset="0"/>
                 <a:cs typeface="Segoe UI" panose="020B0502040204020203" pitchFamily="34" charset="0"/>
               </a:rPr>
               <a:t>Le graphique des principaux influenceurs montre qu'être un </a:t>
             </a:r>
-            <a:r xmlns:a="http://schemas.openxmlformats.org/drawingml/2006/main">
+            <a:r>
               <a:rPr lang="fr" b="1" dirty="0">
                 <a:latin typeface="Segoe UI" panose="020B0502040204020203" pitchFamily="34" charset="0"/>
                 <a:cs typeface="Segoe UI" panose="020B0502040204020203" pitchFamily="34" charset="0"/>
               </a:rPr>
               <a:t>éditeur </a:t>
             </a:r>
-            <a:r xmlns:a="http://schemas.openxmlformats.org/drawingml/2006/main">
+            <a:r>
               <a:rPr lang="fr" dirty="0">
                 <a:latin typeface="Segoe UI" panose="020B0502040204020203" pitchFamily="34" charset="0"/>
                 <a:cs typeface="Segoe UI" panose="020B0502040204020203" pitchFamily="34" charset="0"/>
               </a:rPr>
               <a:t>augmente la probabilité d'obtenir une note élevée de </a:t>
             </a:r>
-            <a:r xmlns:a="http://schemas.openxmlformats.org/drawingml/2006/main">
+            <a:r>
               <a:rPr lang="fr" b="1" dirty="0">
                 <a:latin typeface="Segoe UI" panose="020B0502040204020203" pitchFamily="34" charset="0"/>
                 <a:cs typeface="Segoe UI" panose="020B0502040204020203" pitchFamily="34" charset="0"/>
               </a:rPr>
               <a:t>1,12x </a:t>
             </a:r>
-            <a:r xmlns:a="http://schemas.openxmlformats.org/drawingml/2006/main">
+            <a:r>
               <a:rPr lang="fr" dirty="0">
                 <a:latin typeface="Segoe UI" panose="020B0502040204020203" pitchFamily="34" charset="0"/>
                 <a:cs typeface="Segoe UI" panose="020B0502040204020203" pitchFamily="34" charset="0"/>
               </a:rPr>
               <a:t>.</a:t>
             </a:r>
-            <a:endParaRPr xmlns:a="http://schemas.openxmlformats.org/drawingml/2006/main" lang="en-US" dirty="0" smtClean="0">
+            <a:endParaRPr lang="en-US" dirty="0" smtClean="0">
               <a:latin typeface="Segoe UI" panose="020B0502040204020203" pitchFamily="34" charset="0"/>
               <a:cs typeface="Segoe UI" panose="020B0502040204020203" pitchFamily="34" charset="0"/>
             </a:endParaRPr>
@@ -6395,41 +6626,45 @@
             </a:endParaRPr>
           </a:p>
           <a:p>
-            <a:r xmlns:a="http://schemas.openxmlformats.org/drawingml/2006/main">
+            <a:r>
               <a:rPr lang="fr" dirty="0" smtClean="0">
                 <a:latin typeface="Segoe UI" panose="020B0502040204020203" pitchFamily="34" charset="0"/>
                 <a:cs typeface="Segoe UI" panose="020B0502040204020203" pitchFamily="34" charset="0"/>
               </a:rPr>
               <a:t>Le </a:t>
             </a:r>
-            <a:r xmlns:a="http://schemas.openxmlformats.org/drawingml/2006/main">
+            <a:r>
               <a:rPr lang="fr" dirty="0">
                 <a:latin typeface="Segoe UI" panose="020B0502040204020203" pitchFamily="34" charset="0"/>
                 <a:cs typeface="Segoe UI" panose="020B0502040204020203" pitchFamily="34" charset="0"/>
               </a:rPr>
               <a:t>graphique à barres le valide, montrant </a:t>
             </a:r>
-            <a:r xmlns:a="http://schemas.openxmlformats.org/drawingml/2006/main">
+            <a:r>
               <a:rPr lang="fr" b="1" dirty="0">
                 <a:latin typeface="Segoe UI" panose="020B0502040204020203" pitchFamily="34" charset="0"/>
                 <a:cs typeface="Segoe UI" panose="020B0502040204020203" pitchFamily="34" charset="0"/>
               </a:rPr>
               <a:t>85,21 % </a:t>
             </a:r>
-            <a:r xmlns:a="http://schemas.openxmlformats.org/drawingml/2006/main">
+            <a:r>
               <a:rPr lang="fr" dirty="0">
                 <a:latin typeface="Segoe UI" panose="020B0502040204020203" pitchFamily="34" charset="0"/>
                 <a:cs typeface="Segoe UI" panose="020B0502040204020203" pitchFamily="34" charset="0"/>
               </a:rPr>
-              <a:t>de notes élevées pour les éditeurs, ce qui est supérieur à la moyenne </a:t>
-            </a:r>
-            <a:r xmlns:a="http://schemas.openxmlformats.org/drawingml/2006/main">
+              <a:t>de notes élevées pour les </a:t>
+            </a:r>
+            <a:r>
               <a:rPr lang="fr" dirty="0" smtClean="0">
                 <a:latin typeface="Segoe UI" panose="020B0502040204020203" pitchFamily="34" charset="0"/>
                 <a:cs typeface="Segoe UI" panose="020B0502040204020203" pitchFamily="34" charset="0"/>
               </a:rPr>
-              <a:t>.</a:t>
-            </a:r>
+              <a:t>éditeurs</a:t>
+            </a:r>
+            <a:endParaRPr lang="fr" dirty="0">
+              <a:latin typeface="Segoe UI" panose="020B0502040204020203" pitchFamily="34" charset="0"/>
+              <a:cs typeface="Segoe UI" panose="020B0502040204020203" pitchFamily="34" charset="0"/>
+            </a:endParaRPr>
           </a:p>
           <a:p>
             <a:endParaRPr lang="en-US" dirty="0">
@@ -6438,21 +6673,21 @@
             </a:endParaRPr>
           </a:p>
           <a:p>
-            <a:r xmlns:a="http://schemas.openxmlformats.org/drawingml/2006/main">
+            <a:r>
               <a:rPr lang="fr" b="1" dirty="0">
                 <a:latin typeface="Segoe UI" panose="020B0502040204020203" pitchFamily="34" charset="0"/>
                 <a:cs typeface="Segoe UI" panose="020B0502040204020203" pitchFamily="34" charset="0"/>
               </a:rPr>
               <a:t>Insight </a:t>
             </a:r>
-            <a:r xmlns:a="http://schemas.openxmlformats.org/drawingml/2006/main">
+            <a:r>
               <a:rPr lang="fr" dirty="0">
                 <a:latin typeface="Segoe UI" panose="020B0502040204020203" pitchFamily="34" charset="0"/>
                 <a:cs typeface="Segoe UI" panose="020B0502040204020203" pitchFamily="34" charset="0"/>
               </a:rPr>
               <a:t>: Les éditeurs ont un impact positif significatif sur les notes élevées </a:t>
             </a:r>
-            <a:r xmlns:a="http://schemas.openxmlformats.org/drawingml/2006/main">
+            <a:r>
               <a:rPr lang="fr" dirty="0" smtClean="0">
                 <a:latin typeface="Segoe UI" panose="020B0502040204020203" pitchFamily="34" charset="0"/>
                 <a:cs typeface="Segoe UI" panose="020B0502040204020203" pitchFamily="34" charset="0"/>
@@ -6467,14 +6702,14 @@
             </a:endParaRPr>
           </a:p>
           <a:p>
-            <a:r xmlns:a="http://schemas.openxmlformats.org/drawingml/2006/main">
+            <a:r>
               <a:rPr lang="fr" b="1" dirty="0">
                 <a:latin typeface="Segoe UI" panose="020B0502040204020203" pitchFamily="34" charset="0"/>
                 <a:cs typeface="Segoe UI" panose="020B0502040204020203" pitchFamily="34" charset="0"/>
               </a:rPr>
               <a:t>Recommandation </a:t>
             </a:r>
-            <a:r xmlns:a="http://schemas.openxmlformats.org/drawingml/2006/main">
+            <a:r>
               <a:rPr lang="fr" dirty="0">
                 <a:latin typeface="Segoe UI" panose="020B0502040204020203" pitchFamily="34" charset="0"/>
                 <a:cs typeface="Segoe UI" panose="020B0502040204020203" pitchFamily="34" charset="0"/>
@@ -6492,8 +6727,8 @@
         </p:nvCxnSpPr>
         <p:spPr>
           <a:xfrm>
-            <a:off x="4620126" y="1670671"/>
-            <a:ext cx="4950136" cy="41251"/>
+            <a:off x="6799561" y="1660358"/>
+            <a:ext cx="2770701" cy="51564"/>
           </a:xfrm>
           <a:prstGeom prst="straightConnector1">
             <a:avLst/>
@@ -6528,8 +6763,8 @@
         </p:nvCxnSpPr>
         <p:spPr>
           <a:xfrm flipV="1">
-            <a:off x="6799561" y="1938803"/>
-            <a:ext cx="3526971" cy="316259"/>
+            <a:off x="7411453" y="1938804"/>
+            <a:ext cx="2915079" cy="262975"/>
           </a:xfrm>
           <a:prstGeom prst="straightConnector1">
             <a:avLst/>
@@ -6595,7 +6830,7 @@
         <p:spPr>
           <a:xfrm>
             <a:off x="323133" y="192505"/>
-            <a:ext cx="2676502" cy="461665"/>
+            <a:ext cx="2722092" cy="461665"/>
           </a:xfrm>
           <a:prstGeom prst="rect">
             <a:avLst/>
@@ -6608,14 +6843,35 @@
           </a:bodyPr>
           <a:lstStyle/>
           <a:p>
-            <a:r xmlns:a="http://schemas.openxmlformats.org/drawingml/2006/main">
-              <a:rPr lang="fr" sz="2400" dirty="0" smtClean="0">
-                <a:latin typeface="Segoe UI" panose="020B0502040204020203" pitchFamily="34" charset="0"/>
-                <a:cs typeface="Segoe UI" panose="020B0502040204020203" pitchFamily="34" charset="0"/>
-              </a:rPr>
-              <a:t>L'influenceur clé</a:t>
-            </a:r>
-            <a:endParaRPr xmlns:a="http://schemas.openxmlformats.org/drawingml/2006/main" lang="en-US" sz="2400" dirty="0">
+            <a:r>
+              <a:rPr lang="en-US" sz="2400" b="1" dirty="0" smtClean="0">
+                <a:latin typeface="Segoe UI" panose="020B0502040204020203" pitchFamily="34" charset="0"/>
+                <a:cs typeface="Segoe UI" panose="020B0502040204020203" pitchFamily="34" charset="0"/>
+              </a:rPr>
+              <a:t>La </a:t>
+            </a:r>
+            <a:r>
+              <a:rPr lang="en-US" sz="2400" b="1" dirty="0" err="1" smtClean="0">
+                <a:latin typeface="Segoe UI" panose="020B0502040204020203" pitchFamily="34" charset="0"/>
+                <a:cs typeface="Segoe UI" panose="020B0502040204020203" pitchFamily="34" charset="0"/>
+              </a:rPr>
+              <a:t>clé</a:t>
+            </a:r>
+            <a:r>
+              <a:rPr lang="en-US" sz="2400" b="1" dirty="0" smtClean="0">
+                <a:latin typeface="Segoe UI" panose="020B0502040204020203" pitchFamily="34" charset="0"/>
+                <a:cs typeface="Segoe UI" panose="020B0502040204020203" pitchFamily="34" charset="0"/>
+              </a:rPr>
+              <a:t> </a:t>
+            </a:r>
+            <a:r>
+              <a:rPr lang="en-US" sz="2400" b="1" dirty="0" err="1" smtClean="0">
+                <a:latin typeface="Segoe UI" panose="020B0502040204020203" pitchFamily="34" charset="0"/>
+                <a:cs typeface="Segoe UI" panose="020B0502040204020203" pitchFamily="34" charset="0"/>
+              </a:rPr>
+              <a:t>influenceur</a:t>
+            </a:r>
+            <a:endParaRPr lang="en-US" sz="2400" b="1" dirty="0">
               <a:latin typeface="Segoe UI" panose="020B0502040204020203" pitchFamily="34" charset="0"/>
               <a:cs typeface="Segoe UI" panose="020B0502040204020203" pitchFamily="34" charset="0"/>
             </a:endParaRPr>
@@ -6664,8 +6920,8 @@
         </p:nvCxnSpPr>
         <p:spPr>
           <a:xfrm>
-            <a:off x="3815729" y="1567543"/>
-            <a:ext cx="4028860" cy="453762"/>
+            <a:off x="5101389" y="1567543"/>
+            <a:ext cx="2743200" cy="453762"/>
           </a:xfrm>
           <a:prstGeom prst="straightConnector1">
             <a:avLst/>
@@ -6700,8 +6956,8 @@
         </p:nvCxnSpPr>
         <p:spPr>
           <a:xfrm>
-            <a:off x="3815729" y="1567543"/>
-            <a:ext cx="4028860" cy="1368162"/>
+            <a:off x="5101389" y="1567543"/>
+            <a:ext cx="2743200" cy="1368162"/>
           </a:xfrm>
           <a:prstGeom prst="straightConnector1">
             <a:avLst/>
@@ -6749,90 +7005,90 @@
           </a:bodyPr>
           <a:lstStyle/>
           <a:p>
-            <a:r xmlns:a="http://schemas.openxmlformats.org/drawingml/2006/main">
+            <a:r>
               <a:rPr lang="fr" b="1" dirty="0" smtClean="0">
                 <a:latin typeface="Segoe UI" panose="020B0502040204020203" pitchFamily="34" charset="0"/>
                 <a:cs typeface="Segoe UI" panose="020B0502040204020203" pitchFamily="34" charset="0"/>
               </a:rPr>
               <a:t>Thèmes </a:t>
             </a:r>
-            <a:r xmlns:a="http://schemas.openxmlformats.org/drawingml/2006/main">
+            <a:r>
               <a:rPr lang="fr" dirty="0" smtClean="0">
                 <a:latin typeface="Segoe UI" panose="020B0502040204020203" pitchFamily="34" charset="0"/>
                 <a:cs typeface="Segoe UI" panose="020B0502040204020203" pitchFamily="34" charset="0"/>
               </a:rPr>
               <a:t>:</a:t>
             </a:r>
-            <a:endParaRPr xmlns:a="http://schemas.openxmlformats.org/drawingml/2006/main" lang="en-US" dirty="0">
+            <a:endParaRPr lang="en-US" dirty="0">
               <a:latin typeface="Segoe UI" panose="020B0502040204020203" pitchFamily="34" charset="0"/>
               <a:cs typeface="Segoe UI" panose="020B0502040204020203" pitchFamily="34" charset="0"/>
             </a:endParaRPr>
           </a:p>
           <a:p>
-            <a:r xmlns:a="http://schemas.openxmlformats.org/drawingml/2006/main">
+            <a:r>
               <a:rPr lang="fr" dirty="0">
                 <a:latin typeface="Segoe UI" panose="020B0502040204020203" pitchFamily="34" charset="0"/>
                 <a:cs typeface="Segoe UI" panose="020B0502040204020203" pitchFamily="34" charset="0"/>
               </a:rPr>
               <a:t>Des thèmes tels que </a:t>
             </a:r>
-            <a:r xmlns:a="http://schemas.openxmlformats.org/drawingml/2006/main">
+            <a:r>
               <a:rPr lang="fr" b="1" dirty="0">
                 <a:latin typeface="Segoe UI" panose="020B0502040204020203" pitchFamily="34" charset="0"/>
                 <a:cs typeface="Segoe UI" panose="020B0502040204020203" pitchFamily="34" charset="0"/>
               </a:rPr>
               <a:t>le prix </a:t>
             </a:r>
-            <a:r xmlns:a="http://schemas.openxmlformats.org/drawingml/2006/main">
+            <a:r>
               <a:rPr lang="fr" dirty="0">
                 <a:latin typeface="Segoe UI" panose="020B0502040204020203" pitchFamily="34" charset="0"/>
                 <a:cs typeface="Segoe UI" panose="020B0502040204020203" pitchFamily="34" charset="0"/>
               </a:rPr>
               <a:t>et </a:t>
             </a:r>
-            <a:r xmlns:a="http://schemas.openxmlformats.org/drawingml/2006/main">
+            <a:r>
               <a:rPr lang="fr" b="1" dirty="0">
                 <a:latin typeface="Segoe UI" panose="020B0502040204020203" pitchFamily="34" charset="0"/>
                 <a:cs typeface="Segoe UI" panose="020B0502040204020203" pitchFamily="34" charset="0"/>
               </a:rPr>
               <a:t>le design </a:t>
             </a:r>
-            <a:r xmlns:a="http://schemas.openxmlformats.org/drawingml/2006/main">
+            <a:r>
               <a:rPr lang="fr" dirty="0">
                 <a:latin typeface="Segoe UI" panose="020B0502040204020203" pitchFamily="34" charset="0"/>
                 <a:cs typeface="Segoe UI" panose="020B0502040204020203" pitchFamily="34" charset="0"/>
               </a:rPr>
               <a:t>ont des impacts positifs modestes ( </a:t>
             </a:r>
-            <a:r xmlns:a="http://schemas.openxmlformats.org/drawingml/2006/main">
+            <a:r>
               <a:rPr lang="fr" b="1" dirty="0">
                 <a:latin typeface="Segoe UI" panose="020B0502040204020203" pitchFamily="34" charset="0"/>
                 <a:cs typeface="Segoe UI" panose="020B0502040204020203" pitchFamily="34" charset="0"/>
               </a:rPr>
               <a:t>1,07x </a:t>
             </a:r>
-            <a:r xmlns:a="http://schemas.openxmlformats.org/drawingml/2006/main">
+            <a:r>
               <a:rPr lang="fr" dirty="0">
                 <a:latin typeface="Segoe UI" panose="020B0502040204020203" pitchFamily="34" charset="0"/>
                 <a:cs typeface="Segoe UI" panose="020B0502040204020203" pitchFamily="34" charset="0"/>
               </a:rPr>
               <a:t>et </a:t>
             </a:r>
-            <a:r xmlns:a="http://schemas.openxmlformats.org/drawingml/2006/main">
+            <a:r>
               <a:rPr lang="fr" b="1" dirty="0">
                 <a:latin typeface="Segoe UI" panose="020B0502040204020203" pitchFamily="34" charset="0"/>
                 <a:cs typeface="Segoe UI" panose="020B0502040204020203" pitchFamily="34" charset="0"/>
               </a:rPr>
               <a:t>1,04x </a:t>
             </a:r>
-            <a:r xmlns:a="http://schemas.openxmlformats.org/drawingml/2006/main">
+            <a:r>
               <a:rPr lang="fr" dirty="0">
                 <a:latin typeface="Segoe UI" panose="020B0502040204020203" pitchFamily="34" charset="0"/>
                 <a:cs typeface="Segoe UI" panose="020B0502040204020203" pitchFamily="34" charset="0"/>
               </a:rPr>
               <a:t>, respectivement </a:t>
             </a:r>
-            <a:r xmlns:a="http://schemas.openxmlformats.org/drawingml/2006/main">
+            <a:r>
               <a:rPr lang="fr" dirty="0" smtClean="0">
                 <a:latin typeface="Segoe UI" panose="020B0502040204020203" pitchFamily="34" charset="0"/>
                 <a:cs typeface="Segoe UI" panose="020B0502040204020203" pitchFamily="34" charset="0"/>
@@ -6875,14 +7131,14 @@
             </a:endParaRPr>
           </a:p>
           <a:p>
-            <a:r xmlns:a="http://schemas.openxmlformats.org/drawingml/2006/main">
+            <a:r>
               <a:rPr lang="fr" b="1" dirty="0" smtClean="0">
                 <a:latin typeface="Segoe UI" panose="020B0502040204020203" pitchFamily="34" charset="0"/>
                 <a:cs typeface="Segoe UI" panose="020B0502040204020203" pitchFamily="34" charset="0"/>
               </a:rPr>
               <a:t>Aperçu </a:t>
             </a:r>
-            <a:r xmlns:a="http://schemas.openxmlformats.org/drawingml/2006/main">
+            <a:r>
               <a:rPr lang="fr" dirty="0">
                 <a:latin typeface="Segoe UI" panose="020B0502040204020203" pitchFamily="34" charset="0"/>
                 <a:cs typeface="Segoe UI" panose="020B0502040204020203" pitchFamily="34" charset="0"/>
@@ -6897,14 +7153,14 @@
             </a:endParaRPr>
           </a:p>
           <a:p>
-            <a:r xmlns:a="http://schemas.openxmlformats.org/drawingml/2006/main">
+            <a:r>
               <a:rPr lang="fr" b="1" dirty="0" smtClean="0">
                 <a:latin typeface="Segoe UI" panose="020B0502040204020203" pitchFamily="34" charset="0"/>
                 <a:cs typeface="Segoe UI" panose="020B0502040204020203" pitchFamily="34" charset="0"/>
               </a:rPr>
               <a:t>Recommandation </a:t>
             </a:r>
-            <a:r xmlns:a="http://schemas.openxmlformats.org/drawingml/2006/main">
+            <a:r>
               <a:rPr lang="fr" dirty="0">
                 <a:latin typeface="Segoe UI" panose="020B0502040204020203" pitchFamily="34" charset="0"/>
                 <a:cs typeface="Segoe UI" panose="020B0502040204020203" pitchFamily="34" charset="0"/>
@@ -6953,7 +7209,7 @@
         <p:spPr>
           <a:xfrm>
             <a:off x="323133" y="192505"/>
-            <a:ext cx="2676502" cy="461665"/>
+            <a:ext cx="2722092" cy="461665"/>
           </a:xfrm>
           <a:prstGeom prst="rect">
             <a:avLst/>
@@ -6966,14 +7222,35 @@
           </a:bodyPr>
           <a:lstStyle/>
           <a:p>
-            <a:r xmlns:a="http://schemas.openxmlformats.org/drawingml/2006/main">
-              <a:rPr lang="fr" sz="2400" dirty="0" smtClean="0">
-                <a:latin typeface="Segoe UI" panose="020B0502040204020203" pitchFamily="34" charset="0"/>
-                <a:cs typeface="Segoe UI" panose="020B0502040204020203" pitchFamily="34" charset="0"/>
-              </a:rPr>
-              <a:t>L'influenceur clé</a:t>
-            </a:r>
-            <a:endParaRPr xmlns:a="http://schemas.openxmlformats.org/drawingml/2006/main" lang="en-US" sz="2400" dirty="0">
+            <a:r>
+              <a:rPr lang="en-US" sz="2400" b="1" dirty="0" smtClean="0">
+                <a:latin typeface="Segoe UI" panose="020B0502040204020203" pitchFamily="34" charset="0"/>
+                <a:cs typeface="Segoe UI" panose="020B0502040204020203" pitchFamily="34" charset="0"/>
+              </a:rPr>
+              <a:t>La </a:t>
+            </a:r>
+            <a:r>
+              <a:rPr lang="en-US" sz="2400" b="1" dirty="0" err="1" smtClean="0">
+                <a:latin typeface="Segoe UI" panose="020B0502040204020203" pitchFamily="34" charset="0"/>
+                <a:cs typeface="Segoe UI" panose="020B0502040204020203" pitchFamily="34" charset="0"/>
+              </a:rPr>
+              <a:t>clé</a:t>
+            </a:r>
+            <a:r>
+              <a:rPr lang="en-US" sz="2400" b="1" dirty="0" smtClean="0">
+                <a:latin typeface="Segoe UI" panose="020B0502040204020203" pitchFamily="34" charset="0"/>
+                <a:cs typeface="Segoe UI" panose="020B0502040204020203" pitchFamily="34" charset="0"/>
+              </a:rPr>
+              <a:t> </a:t>
+            </a:r>
+            <a:r>
+              <a:rPr lang="en-US" sz="2400" b="1" dirty="0" err="1" smtClean="0">
+                <a:latin typeface="Segoe UI" panose="020B0502040204020203" pitchFamily="34" charset="0"/>
+                <a:cs typeface="Segoe UI" panose="020B0502040204020203" pitchFamily="34" charset="0"/>
+              </a:rPr>
+              <a:t>influenceur</a:t>
+            </a:r>
+            <a:endParaRPr lang="en-US" sz="2400" b="1" dirty="0">
               <a:latin typeface="Segoe UI" panose="020B0502040204020203" pitchFamily="34" charset="0"/>
               <a:cs typeface="Segoe UI" panose="020B0502040204020203" pitchFamily="34" charset="0"/>
             </a:endParaRPr>
@@ -7071,14 +7348,14 @@
           </a:bodyPr>
           <a:lstStyle/>
           <a:p>
-            <a:r xmlns:a="http://schemas.openxmlformats.org/drawingml/2006/main">
+            <a:r>
               <a:rPr lang="fr" b="1" dirty="0">
                 <a:latin typeface="Segoe UI" panose="020B0502040204020203" pitchFamily="34" charset="0"/>
                 <a:cs typeface="Segoe UI" panose="020B0502040204020203" pitchFamily="34" charset="0"/>
               </a:rPr>
               <a:t>Régions et taille de l'entreprise </a:t>
             </a:r>
-            <a:r xmlns:a="http://schemas.openxmlformats.org/drawingml/2006/main">
+            <a:r>
               <a:rPr lang="fr" dirty="0">
                 <a:latin typeface="Segoe UI" panose="020B0502040204020203" pitchFamily="34" charset="0"/>
                 <a:cs typeface="Segoe UI" panose="020B0502040204020203" pitchFamily="34" charset="0"/>
@@ -7087,49 +7364,49 @@
             </a:r>
           </a:p>
           <a:p>
-            <a:r xmlns:a="http://schemas.openxmlformats.org/drawingml/2006/main">
+            <a:r>
               <a:rPr lang="fr" b="1" dirty="0">
                 <a:latin typeface="Segoe UI" panose="020B0502040204020203" pitchFamily="34" charset="0"/>
                 <a:cs typeface="Segoe UI" panose="020B0502040204020203" pitchFamily="34" charset="0"/>
               </a:rPr>
               <a:t>L'Allemagne </a:t>
             </a:r>
-            <a:r xmlns:a="http://schemas.openxmlformats.org/drawingml/2006/main">
+            <a:r>
               <a:rPr lang="fr" dirty="0">
                 <a:latin typeface="Segoe UI" panose="020B0502040204020203" pitchFamily="34" charset="0"/>
                 <a:cs typeface="Segoe UI" panose="020B0502040204020203" pitchFamily="34" charset="0"/>
               </a:rPr>
               <a:t>et </a:t>
             </a:r>
-            <a:r xmlns:a="http://schemas.openxmlformats.org/drawingml/2006/main">
+            <a:r>
               <a:rPr lang="fr" b="1" dirty="0">
                 <a:latin typeface="Segoe UI" panose="020B0502040204020203" pitchFamily="34" charset="0"/>
                 <a:cs typeface="Segoe UI" panose="020B0502040204020203" pitchFamily="34" charset="0"/>
               </a:rPr>
               <a:t>la taille de l'entreprise (5 000 à 50 000) </a:t>
             </a:r>
-            <a:r xmlns:a="http://schemas.openxmlformats.org/drawingml/2006/main">
+            <a:r>
               <a:rPr lang="fr" dirty="0">
                 <a:latin typeface="Segoe UI" panose="020B0502040204020203" pitchFamily="34" charset="0"/>
                 <a:cs typeface="Segoe UI" panose="020B0502040204020203" pitchFamily="34" charset="0"/>
               </a:rPr>
               <a:t>contribuent à une probabilité </a:t>
             </a:r>
-            <a:r xmlns:a="http://schemas.openxmlformats.org/drawingml/2006/main">
+            <a:r>
               <a:rPr lang="fr" b="1" dirty="0">
                 <a:latin typeface="Segoe UI" panose="020B0502040204020203" pitchFamily="34" charset="0"/>
                 <a:cs typeface="Segoe UI" panose="020B0502040204020203" pitchFamily="34" charset="0"/>
               </a:rPr>
               <a:t>de 1,05 fois supérieure </a:t>
             </a:r>
-            <a:r xmlns:a="http://schemas.openxmlformats.org/drawingml/2006/main">
+            <a:r>
               <a:rPr lang="fr" dirty="0">
                 <a:latin typeface="Segoe UI" panose="020B0502040204020203" pitchFamily="34" charset="0"/>
                 <a:cs typeface="Segoe UI" panose="020B0502040204020203" pitchFamily="34" charset="0"/>
               </a:rPr>
               <a:t>d'obtenir des notes élevées </a:t>
             </a:r>
-            <a:r xmlns:a="http://schemas.openxmlformats.org/drawingml/2006/main">
+            <a:r>
               <a:rPr lang="fr" dirty="0" smtClean="0">
                 <a:latin typeface="Segoe UI" panose="020B0502040204020203" pitchFamily="34" charset="0"/>
                 <a:cs typeface="Segoe UI" panose="020B0502040204020203" pitchFamily="34" charset="0"/>
@@ -7164,21 +7441,21 @@
             </a:endParaRPr>
           </a:p>
           <a:p>
-            <a:r xmlns:a="http://schemas.openxmlformats.org/drawingml/2006/main">
+            <a:r>
               <a:rPr lang="fr" b="1" dirty="0">
                 <a:latin typeface="Segoe UI" panose="020B0502040204020203" pitchFamily="34" charset="0"/>
                 <a:cs typeface="Segoe UI" panose="020B0502040204020203" pitchFamily="34" charset="0"/>
               </a:rPr>
               <a:t>Insight </a:t>
             </a:r>
-            <a:r xmlns:a="http://schemas.openxmlformats.org/drawingml/2006/main">
+            <a:r>
               <a:rPr lang="fr" dirty="0">
                 <a:latin typeface="Segoe UI" panose="020B0502040204020203" pitchFamily="34" charset="0"/>
                 <a:cs typeface="Segoe UI" panose="020B0502040204020203" pitchFamily="34" charset="0"/>
               </a:rPr>
               <a:t>: Ces caractéristiques définissent les segments qui sont plus susceptibles de fournir un retour positif </a:t>
             </a:r>
-            <a:r xmlns:a="http://schemas.openxmlformats.org/drawingml/2006/main">
+            <a:r>
               <a:rPr lang="fr" dirty="0" smtClean="0">
                 <a:latin typeface="Segoe UI" panose="020B0502040204020203" pitchFamily="34" charset="0"/>
                 <a:cs typeface="Segoe UI" panose="020B0502040204020203" pitchFamily="34" charset="0"/>
@@ -7207,14 +7484,14 @@
             </a:endParaRPr>
           </a:p>
           <a:p>
-            <a:r xmlns:a="http://schemas.openxmlformats.org/drawingml/2006/main">
+            <a:r>
               <a:rPr lang="fr" b="1" dirty="0">
                 <a:latin typeface="Segoe UI" panose="020B0502040204020203" pitchFamily="34" charset="0"/>
                 <a:cs typeface="Segoe UI" panose="020B0502040204020203" pitchFamily="34" charset="0"/>
               </a:rPr>
               <a:t>Recommandation </a:t>
             </a:r>
-            <a:r xmlns:a="http://schemas.openxmlformats.org/drawingml/2006/main">
+            <a:r>
               <a:rPr lang="fr" dirty="0">
                 <a:latin typeface="Segoe UI" panose="020B0502040204020203" pitchFamily="34" charset="0"/>
                 <a:cs typeface="Segoe UI" panose="020B0502040204020203" pitchFamily="34" charset="0"/>
@@ -7263,7 +7540,7 @@
         <p:spPr>
           <a:xfrm>
             <a:off x="323133" y="192505"/>
-            <a:ext cx="2676502" cy="461665"/>
+            <a:ext cx="2722092" cy="461665"/>
           </a:xfrm>
           <a:prstGeom prst="rect">
             <a:avLst/>
@@ -7276,14 +7553,35 @@
           </a:bodyPr>
           <a:lstStyle/>
           <a:p>
-            <a:r xmlns:a="http://schemas.openxmlformats.org/drawingml/2006/main">
-              <a:rPr lang="fr" sz="2400" dirty="0" smtClean="0">
-                <a:latin typeface="Segoe UI" panose="020B0502040204020203" pitchFamily="34" charset="0"/>
-                <a:cs typeface="Segoe UI" panose="020B0502040204020203" pitchFamily="34" charset="0"/>
-              </a:rPr>
-              <a:t>L'influenceur clé</a:t>
-            </a:r>
-            <a:endParaRPr xmlns:a="http://schemas.openxmlformats.org/drawingml/2006/main" lang="en-US" sz="2400" dirty="0">
+            <a:r>
+              <a:rPr lang="en-US" sz="2400" b="1" dirty="0" smtClean="0">
+                <a:latin typeface="Segoe UI" panose="020B0502040204020203" pitchFamily="34" charset="0"/>
+                <a:cs typeface="Segoe UI" panose="020B0502040204020203" pitchFamily="34" charset="0"/>
+              </a:rPr>
+              <a:t>La </a:t>
+            </a:r>
+            <a:r>
+              <a:rPr lang="en-US" sz="2400" b="1" dirty="0" err="1" smtClean="0">
+                <a:latin typeface="Segoe UI" panose="020B0502040204020203" pitchFamily="34" charset="0"/>
+                <a:cs typeface="Segoe UI" panose="020B0502040204020203" pitchFamily="34" charset="0"/>
+              </a:rPr>
+              <a:t>clé</a:t>
+            </a:r>
+            <a:r>
+              <a:rPr lang="en-US" sz="2400" b="1" dirty="0" smtClean="0">
+                <a:latin typeface="Segoe UI" panose="020B0502040204020203" pitchFamily="34" charset="0"/>
+                <a:cs typeface="Segoe UI" panose="020B0502040204020203" pitchFamily="34" charset="0"/>
+              </a:rPr>
+              <a:t> </a:t>
+            </a:r>
+            <a:r>
+              <a:rPr lang="en-US" sz="2400" b="1" dirty="0" err="1" smtClean="0">
+                <a:latin typeface="Segoe UI" panose="020B0502040204020203" pitchFamily="34" charset="0"/>
+                <a:cs typeface="Segoe UI" panose="020B0502040204020203" pitchFamily="34" charset="0"/>
+              </a:rPr>
+              <a:t>influenceur</a:t>
+            </a:r>
+            <a:endParaRPr lang="en-US" sz="2400" b="1" dirty="0">
               <a:latin typeface="Segoe UI" panose="020B0502040204020203" pitchFamily="34" charset="0"/>
               <a:cs typeface="Segoe UI" panose="020B0502040204020203" pitchFamily="34" charset="0"/>
             </a:endParaRPr>
@@ -7311,7 +7609,7 @@
           </a:bodyPr>
           <a:lstStyle/>
           <a:p>
-            <a:r xmlns:a="http://schemas.openxmlformats.org/drawingml/2006/main">
+            <a:r>
               <a:rPr lang="fr" b="1" dirty="0">
                 <a:latin typeface="Segoe UI" panose="020B0502040204020203" pitchFamily="34" charset="0"/>
                 <a:cs typeface="Segoe UI" panose="020B0502040204020203" pitchFamily="34" charset="0"/>
@@ -7320,18 +7618,18 @@
             </a:r>
           </a:p>
           <a:p>
-            <a:pPr xmlns:a="http://schemas.openxmlformats.org/drawingml/2006/main">
+            <a:pPr>
               <a:buFont typeface="Arial" panose="020B0604020202020204" pitchFamily="34" charset="0"/>
               <a:buChar char="•"/>
             </a:pPr>
-            <a:r xmlns:a="http://schemas.openxmlformats.org/drawingml/2006/main">
+            <a:r>
               <a:rPr lang="fr" dirty="0">
                 <a:latin typeface="Segoe UI" panose="020B0502040204020203" pitchFamily="34" charset="0"/>
                 <a:cs typeface="Segoe UI" panose="020B0502040204020203" pitchFamily="34" charset="0"/>
               </a:rPr>
               <a:t>Les segments sont classés en fonction du pourcentage de notes élevées et de la taille de la population </a:t>
             </a:r>
-            <a:r xmlns:a="http://schemas.openxmlformats.org/drawingml/2006/main">
+            <a:r>
               <a:rPr lang="fr" dirty="0" smtClean="0">
                 <a:latin typeface="Segoe UI" panose="020B0502040204020203" pitchFamily="34" charset="0"/>
                 <a:cs typeface="Segoe UI" panose="020B0502040204020203" pitchFamily="34" charset="0"/>
@@ -7346,25 +7644,25 @@
             </a:endParaRPr>
           </a:p>
           <a:p>
-            <a:pPr xmlns:a="http://schemas.openxmlformats.org/drawingml/2006/main">
+            <a:pPr>
               <a:buFont typeface="Arial" panose="020B0604020202020204" pitchFamily="34" charset="0"/>
               <a:buChar char="•"/>
             </a:pPr>
-            <a:r xmlns:a="http://schemas.openxmlformats.org/drawingml/2006/main">
+            <a:r>
               <a:rPr lang="fr" b="1" dirty="0">
                 <a:latin typeface="Segoe UI" panose="020B0502040204020203" pitchFamily="34" charset="0"/>
                 <a:cs typeface="Segoe UI" panose="020B0502040204020203" pitchFamily="34" charset="0"/>
               </a:rPr>
               <a:t>Le segment 1 </a:t>
             </a:r>
-            <a:r xmlns:a="http://schemas.openxmlformats.org/drawingml/2006/main">
+            <a:r>
               <a:rPr lang="fr" dirty="0">
                 <a:latin typeface="Segoe UI" panose="020B0502040204020203" pitchFamily="34" charset="0"/>
                 <a:cs typeface="Segoe UI" panose="020B0502040204020203" pitchFamily="34" charset="0"/>
               </a:rPr>
               <a:t>(96,7 % de notes élevées, population : 8 031) représente le groupe le plus satisfait, suivi par d'autres segments avec des notes légèrement inférieures (94,7 %-91,0 </a:t>
             </a:r>
-            <a:r xmlns:a="http://schemas.openxmlformats.org/drawingml/2006/main">
+            <a:r>
               <a:rPr lang="fr" dirty="0" smtClean="0">
                 <a:latin typeface="Segoe UI" panose="020B0502040204020203" pitchFamily="34" charset="0"/>
                 <a:cs typeface="Segoe UI" panose="020B0502040204020203" pitchFamily="34" charset="0"/>
@@ -7379,25 +7677,25 @@
             </a:endParaRPr>
           </a:p>
           <a:p>
-            <a:pPr xmlns:a="http://schemas.openxmlformats.org/drawingml/2006/main">
+            <a:pPr>
               <a:buFont typeface="Arial" panose="020B0604020202020204" pitchFamily="34" charset="0"/>
               <a:buChar char="•"/>
             </a:pPr>
-            <a:r xmlns:a="http://schemas.openxmlformats.org/drawingml/2006/main">
+            <a:r>
               <a:rPr lang="fr" b="1" dirty="0">
                 <a:latin typeface="Segoe UI" panose="020B0502040204020203" pitchFamily="34" charset="0"/>
                 <a:cs typeface="Segoe UI" panose="020B0502040204020203" pitchFamily="34" charset="0"/>
               </a:rPr>
               <a:t>Aperçu </a:t>
             </a:r>
-            <a:r xmlns:a="http://schemas.openxmlformats.org/drawingml/2006/main">
+            <a:r>
               <a:rPr lang="fr" dirty="0">
                 <a:latin typeface="Segoe UI" panose="020B0502040204020203" pitchFamily="34" charset="0"/>
                 <a:cs typeface="Segoe UI" panose="020B0502040204020203" pitchFamily="34" charset="0"/>
               </a:rPr>
               <a:t>: Le segment 1 est le facteur le plus important des notes élevées en raison de sa taille et de son taux de satisfaction élevé </a:t>
             </a:r>
-            <a:r xmlns:a="http://schemas.openxmlformats.org/drawingml/2006/main">
+            <a:r>
               <a:rPr lang="fr" dirty="0" smtClean="0">
                 <a:latin typeface="Segoe UI" panose="020B0502040204020203" pitchFamily="34" charset="0"/>
                 <a:cs typeface="Segoe UI" panose="020B0502040204020203" pitchFamily="34" charset="0"/>
@@ -7412,18 +7710,18 @@
             </a:endParaRPr>
           </a:p>
           <a:p>
-            <a:pPr xmlns:a="http://schemas.openxmlformats.org/drawingml/2006/main">
+            <a:pPr>
               <a:buFont typeface="Arial" panose="020B0604020202020204" pitchFamily="34" charset="0"/>
               <a:buChar char="•"/>
             </a:pPr>
-            <a:r xmlns:a="http://schemas.openxmlformats.org/drawingml/2006/main">
+            <a:r>
               <a:rPr lang="fr" b="1" dirty="0">
                 <a:latin typeface="Segoe UI" panose="020B0502040204020203" pitchFamily="34" charset="0"/>
                 <a:cs typeface="Segoe UI" panose="020B0502040204020203" pitchFamily="34" charset="0"/>
               </a:rPr>
               <a:t>Recommandation </a:t>
             </a:r>
-            <a:r xmlns:a="http://schemas.openxmlformats.org/drawingml/2006/main">
+            <a:r>
               <a:rPr lang="fr" dirty="0">
                 <a:latin typeface="Segoe UI" panose="020B0502040204020203" pitchFamily="34" charset="0"/>
                 <a:cs typeface="Segoe UI" panose="020B0502040204020203" pitchFamily="34" charset="0"/>
